--- a/files/report/projectreport/PPT模板/毕业答辩——yyhaker.pptx
+++ b/files/report/projectreport/PPT模板/毕业答辩——yyhaker.pptx
@@ -140,7 +140,7 @@
   </p:defaultTextStyle>
   <p:extLst>
     <p:ext uri="{EFAFB233-063F-42B5-8137-9DF3F51BA10A}">
-      <p15:sldGuideLst xmlns:p15="http://schemas.microsoft.com/office/powerpoint/2012/main" xmlns="">
+      <p15:sldGuideLst xmlns="" xmlns:p15="http://schemas.microsoft.com/office/powerpoint/2012/main">
         <p15:guide id="1" orient="horz" pos="1800">
           <p15:clr>
             <a:srgbClr val="A4A3A4"/>
@@ -3609,64 +3609,14 @@
       </p:grpSpPr>
       <p:sp>
         <p:nvSpPr>
-          <p:cNvPr id="17" name="Rectangle 7"/>
-          <p:cNvSpPr>
-            <a:spLocks noChangeArrowheads="1"/>
-          </p:cNvSpPr>
-          <p:nvPr/>
-        </p:nvSpPr>
-        <p:spPr bwMode="auto">
-          <a:xfrm>
-            <a:off x="2157636" y="1992406"/>
-            <a:ext cx="612068" cy="646331"/>
-          </a:xfrm>
-          <a:prstGeom prst="rect">
-            <a:avLst/>
-          </a:prstGeom>
-          <a:noFill/>
-          <a:ln w="9525">
-            <a:noFill/>
-            <a:miter lim="800000"/>
-            <a:headEnd/>
-            <a:tailEnd/>
-          </a:ln>
-        </p:spPr>
-        <p:txBody>
-          <a:bodyPr wrap="square">
-            <a:spAutoFit/>
-          </a:bodyPr>
-          <a:lstStyle/>
-          <a:p>
-            <a:r>
-              <a:rPr lang="zh-CN" altLang="en-US" sz="3600" dirty="0" smtClean="0">
-                <a:solidFill>
-                  <a:schemeClr val="bg1"/>
-                </a:solidFill>
-                <a:latin typeface="微软雅黑" pitchFamily="34" charset="-122"/>
-                <a:ea typeface="微软雅黑" pitchFamily="34" charset="-122"/>
-              </a:rPr>
-              <a:t>本</a:t>
-            </a:r>
-            <a:endParaRPr lang="zh-CN" altLang="en-US" sz="3600" dirty="0">
-              <a:solidFill>
-                <a:schemeClr val="bg1"/>
-              </a:solidFill>
-              <a:latin typeface="微软雅黑" pitchFamily="34" charset="-122"/>
-              <a:ea typeface="微软雅黑" pitchFamily="34" charset="-122"/>
-            </a:endParaRPr>
-          </a:p>
-        </p:txBody>
-      </p:sp>
-      <p:sp>
-        <p:nvSpPr>
           <p:cNvPr id="18" name="TextBox 17"/>
           <p:cNvSpPr txBox="1"/>
           <p:nvPr/>
         </p:nvSpPr>
         <p:spPr>
           <a:xfrm>
-            <a:off x="1931215" y="2832197"/>
-            <a:ext cx="5277374" cy="707886"/>
+            <a:off x="0" y="1619411"/>
+            <a:ext cx="9144000" cy="954107"/>
           </a:xfrm>
           <a:prstGeom prst="rect">
             <a:avLst/>
@@ -3692,7 +3642,7 @@
               <a:t> </a:t>
             </a:r>
             <a:r>
-              <a:rPr lang="zh-CN" altLang="en-US" sz="1600" dirty="0" smtClean="0">
+              <a:rPr lang="zh-CN" altLang="en-US" sz="2800" dirty="0" smtClean="0">
                 <a:solidFill>
                   <a:schemeClr val="bg1"/>
                 </a:solidFill>
@@ -3700,53 +3650,9 @@
                 <a:ea typeface="汉仪行楷简" pitchFamily="49" charset="-122"/>
                 <a:cs typeface="Times New Roman" pitchFamily="18" charset="0"/>
               </a:rPr>
-              <a:t>基于证券知识</a:t>
-            </a:r>
-            <a:r>
-              <a:rPr lang="zh-CN" altLang="en-US" sz="1600" dirty="0" smtClean="0">
-                <a:solidFill>
-                  <a:schemeClr val="bg1"/>
-                </a:solidFill>
-                <a:latin typeface="汉仪行楷简" pitchFamily="49" charset="-122"/>
-                <a:ea typeface="汉仪行楷简" pitchFamily="49" charset="-122"/>
-                <a:cs typeface="Times New Roman" pitchFamily="18" charset="0"/>
-              </a:rPr>
-              <a:t>图谱</a:t>
-            </a:r>
-            <a:r>
-              <a:rPr lang="zh-CN" altLang="en-US" sz="1600" dirty="0" smtClean="0">
-                <a:solidFill>
-                  <a:schemeClr val="bg1"/>
-                </a:solidFill>
-                <a:latin typeface="汉仪行楷简" pitchFamily="49" charset="-122"/>
-                <a:ea typeface="汉仪行楷简" pitchFamily="49" charset="-122"/>
-                <a:cs typeface="Times New Roman" pitchFamily="18" charset="0"/>
-              </a:rPr>
-              <a:t>构建的</a:t>
-            </a:r>
-            <a:r>
-              <a:rPr lang="zh-CN" altLang="en-US" sz="1600" dirty="0" smtClean="0">
-                <a:solidFill>
-                  <a:schemeClr val="bg1"/>
-                </a:solidFill>
-                <a:latin typeface="汉仪行楷简" pitchFamily="49" charset="-122"/>
-                <a:ea typeface="汉仪行楷简" pitchFamily="49" charset="-122"/>
-                <a:cs typeface="Times New Roman" pitchFamily="18" charset="0"/>
-              </a:rPr>
-              <a:t>命名</a:t>
-            </a:r>
-            <a:r>
-              <a:rPr lang="zh-CN" altLang="en-US" sz="1600" dirty="0" smtClean="0">
-                <a:solidFill>
-                  <a:schemeClr val="bg1"/>
-                </a:solidFill>
-                <a:latin typeface="汉仪行楷简" pitchFamily="49" charset="-122"/>
-                <a:ea typeface="汉仪行楷简" pitchFamily="49" charset="-122"/>
-                <a:cs typeface="Times New Roman" pitchFamily="18" charset="0"/>
-              </a:rPr>
-              <a:t>实体</a:t>
-            </a:r>
-            <a:endParaRPr lang="en-US" altLang="zh-CN" sz="1600" dirty="0" smtClean="0">
+              <a:t>基于证券知识图谱构建的命名实体</a:t>
+            </a:r>
+            <a:endParaRPr lang="en-US" altLang="zh-CN" sz="2800" dirty="0" smtClean="0">
               <a:solidFill>
                 <a:schemeClr val="bg1"/>
               </a:solidFill>
@@ -3758,7 +3664,7 @@
           <a:p>
             <a:pPr algn="ctr"/>
             <a:r>
-              <a:rPr lang="zh-CN" altLang="en-US" sz="1600" dirty="0" smtClean="0">
+              <a:rPr lang="zh-CN" altLang="en-US" sz="2800" dirty="0" smtClean="0">
                 <a:solidFill>
                   <a:schemeClr val="bg1"/>
                 </a:solidFill>
@@ -3768,7 +3674,7 @@
               </a:rPr>
               <a:t>识别系统设计与实现</a:t>
             </a:r>
-            <a:endParaRPr lang="zh-CN" altLang="en-US" sz="2800" dirty="0">
+            <a:endParaRPr lang="zh-CN" altLang="en-US" sz="4400" dirty="0">
               <a:solidFill>
                 <a:schemeClr val="bg1"/>
               </a:solidFill>
@@ -3781,518 +3687,114 @@
       </p:sp>
       <p:sp>
         <p:nvSpPr>
-          <p:cNvPr id="6" name="矩形 5"/>
-          <p:cNvSpPr/>
-          <p:nvPr/>
-        </p:nvSpPr>
-        <p:spPr>
-          <a:xfrm>
-            <a:off x="2831162" y="1992406"/>
-            <a:ext cx="646331" cy="646331"/>
+          <p:cNvPr id="27" name="TextBox 26"/>
+          <p:cNvSpPr txBox="1"/>
+          <p:nvPr/>
+        </p:nvSpPr>
+        <p:spPr>
+          <a:xfrm>
+            <a:off x="5796136" y="3865612"/>
+            <a:ext cx="2339102" cy="461665"/>
           </a:xfrm>
           <a:prstGeom prst="rect">
             <a:avLst/>
           </a:prstGeom>
-        </p:spPr>
-        <p:txBody>
-          <a:bodyPr wrap="none">
+          <a:noFill/>
+        </p:spPr>
+        <p:txBody>
+          <a:bodyPr wrap="none" rtlCol="0">
             <a:spAutoFit/>
           </a:bodyPr>
           <a:lstStyle/>
           <a:p>
             <a:r>
-              <a:rPr lang="zh-CN" altLang="en-US" sz="3600" dirty="0">
-                <a:solidFill>
-                  <a:prstClr val="white"/>
-                </a:solidFill>
-                <a:latin typeface="微软雅黑" pitchFamily="34" charset="-122"/>
-                <a:ea typeface="微软雅黑" pitchFamily="34" charset="-122"/>
-              </a:rPr>
-              <a:t>科</a:t>
-            </a:r>
-            <a:endParaRPr lang="zh-CN" altLang="en-US" dirty="0"/>
-          </a:p>
-        </p:txBody>
-      </p:sp>
-      <p:sp>
-        <p:nvSpPr>
-          <p:cNvPr id="8" name="矩形 7"/>
-          <p:cNvSpPr/>
-          <p:nvPr/>
-        </p:nvSpPr>
-        <p:spPr>
-          <a:xfrm>
-            <a:off x="3538950" y="1992406"/>
-            <a:ext cx="646331" cy="646331"/>
+              <a:rPr lang="zh-CN" altLang="en-US" sz="2400" dirty="0" smtClean="0">
+                <a:solidFill>
+                  <a:schemeClr val="bg1"/>
+                </a:solidFill>
+                <a:latin typeface="汉仪行楷简" pitchFamily="49" charset="-122"/>
+                <a:ea typeface="汉仪行楷简" pitchFamily="49" charset="-122"/>
+                <a:cs typeface="Times New Roman" pitchFamily="18" charset="0"/>
+              </a:rPr>
+              <a:t>答 辩 人</a:t>
+            </a:r>
+            <a:r>
+              <a:rPr lang="zh-CN" altLang="en-US" sz="2400" dirty="0" smtClean="0">
+                <a:solidFill>
+                  <a:schemeClr val="bg1"/>
+                </a:solidFill>
+                <a:latin typeface="汉仪行楷简" pitchFamily="49" charset="-122"/>
+                <a:ea typeface="汉仪行楷简" pitchFamily="49" charset="-122"/>
+                <a:cs typeface="Times New Roman" pitchFamily="18" charset="0"/>
+              </a:rPr>
+              <a:t>：</a:t>
+            </a:r>
+            <a:r>
+              <a:rPr lang="zh-CN" altLang="en-US" sz="2400" dirty="0">
+                <a:solidFill>
+                  <a:schemeClr val="bg1"/>
+                </a:solidFill>
+                <a:latin typeface="汉仪行楷简" pitchFamily="49" charset="-122"/>
+                <a:ea typeface="汉仪行楷简" pitchFamily="49" charset="-122"/>
+                <a:cs typeface="Times New Roman" pitchFamily="18" charset="0"/>
+              </a:rPr>
+              <a:t>乐远</a:t>
+            </a:r>
+          </a:p>
+        </p:txBody>
+      </p:sp>
+      <p:sp>
+        <p:nvSpPr>
+          <p:cNvPr id="2" name="TextBox 1"/>
+          <p:cNvSpPr txBox="1"/>
+          <p:nvPr/>
+        </p:nvSpPr>
+        <p:spPr>
+          <a:xfrm>
+            <a:off x="5868144" y="4513684"/>
+            <a:ext cx="3085745" cy="461665"/>
           </a:xfrm>
           <a:prstGeom prst="rect">
             <a:avLst/>
           </a:prstGeom>
-        </p:spPr>
-        <p:txBody>
-          <a:bodyPr wrap="none">
+          <a:noFill/>
+        </p:spPr>
+        <p:txBody>
+          <a:bodyPr wrap="square" rtlCol="0">
             <a:spAutoFit/>
           </a:bodyPr>
           <a:lstStyle/>
           <a:p>
             <a:r>
-              <a:rPr lang="zh-CN" altLang="en-US" sz="3600" dirty="0">
-                <a:solidFill>
-                  <a:prstClr val="white"/>
-                </a:solidFill>
-                <a:latin typeface="微软雅黑" pitchFamily="34" charset="-122"/>
-                <a:ea typeface="微软雅黑" pitchFamily="34" charset="-122"/>
-              </a:rPr>
-              <a:t>生</a:t>
-            </a:r>
-            <a:endParaRPr lang="zh-CN" altLang="en-US" dirty="0"/>
-          </a:p>
-        </p:txBody>
-      </p:sp>
-      <p:sp>
-        <p:nvSpPr>
-          <p:cNvPr id="10" name="矩形 9"/>
-          <p:cNvSpPr/>
-          <p:nvPr/>
-        </p:nvSpPr>
-        <p:spPr>
-          <a:xfrm>
-            <a:off x="4246738" y="1992406"/>
-            <a:ext cx="646331" cy="646331"/>
-          </a:xfrm>
-          <a:prstGeom prst="rect">
-            <a:avLst/>
-          </a:prstGeom>
-        </p:spPr>
-        <p:txBody>
-          <a:bodyPr wrap="none">
-            <a:spAutoFit/>
-          </a:bodyPr>
-          <a:lstStyle/>
-          <a:p>
-            <a:r>
-              <a:rPr lang="zh-CN" altLang="en-US" sz="3600" dirty="0">
-                <a:solidFill>
-                  <a:prstClr val="white"/>
-                </a:solidFill>
-                <a:latin typeface="微软雅黑" pitchFamily="34" charset="-122"/>
-                <a:ea typeface="微软雅黑" pitchFamily="34" charset="-122"/>
-              </a:rPr>
-              <a:t>毕</a:t>
-            </a:r>
-            <a:endParaRPr lang="zh-CN" altLang="en-US" dirty="0"/>
-          </a:p>
-        </p:txBody>
-      </p:sp>
-      <p:sp>
-        <p:nvSpPr>
-          <p:cNvPr id="12" name="矩形 11"/>
-          <p:cNvSpPr/>
-          <p:nvPr/>
-        </p:nvSpPr>
-        <p:spPr>
-          <a:xfrm>
-            <a:off x="4954526" y="1992406"/>
-            <a:ext cx="646331" cy="646331"/>
-          </a:xfrm>
-          <a:prstGeom prst="rect">
-            <a:avLst/>
-          </a:prstGeom>
-        </p:spPr>
-        <p:txBody>
-          <a:bodyPr wrap="none">
-            <a:spAutoFit/>
-          </a:bodyPr>
-          <a:lstStyle/>
-          <a:p>
-            <a:r>
-              <a:rPr lang="zh-CN" altLang="en-US" sz="3600" dirty="0">
-                <a:solidFill>
-                  <a:prstClr val="white"/>
-                </a:solidFill>
-                <a:latin typeface="微软雅黑" pitchFamily="34" charset="-122"/>
-                <a:ea typeface="微软雅黑" pitchFamily="34" charset="-122"/>
-              </a:rPr>
-              <a:t>业</a:t>
-            </a:r>
-            <a:endParaRPr lang="zh-CN" altLang="en-US" dirty="0"/>
-          </a:p>
-        </p:txBody>
-      </p:sp>
-      <p:sp>
-        <p:nvSpPr>
-          <p:cNvPr id="14" name="矩形 13"/>
-          <p:cNvSpPr/>
-          <p:nvPr/>
-        </p:nvSpPr>
-        <p:spPr>
-          <a:xfrm>
-            <a:off x="5662314" y="1992406"/>
-            <a:ext cx="646331" cy="646331"/>
-          </a:xfrm>
-          <a:prstGeom prst="rect">
-            <a:avLst/>
-          </a:prstGeom>
-        </p:spPr>
-        <p:txBody>
-          <a:bodyPr wrap="none">
-            <a:spAutoFit/>
-          </a:bodyPr>
-          <a:lstStyle/>
-          <a:p>
-            <a:r>
-              <a:rPr lang="zh-CN" altLang="en-US" sz="3600" dirty="0">
-                <a:solidFill>
-                  <a:prstClr val="white"/>
-                </a:solidFill>
-                <a:latin typeface="微软雅黑" pitchFamily="34" charset="-122"/>
-                <a:ea typeface="微软雅黑" pitchFamily="34" charset="-122"/>
-              </a:rPr>
-              <a:t>答</a:t>
-            </a:r>
-            <a:endParaRPr lang="zh-CN" altLang="en-US" dirty="0"/>
-          </a:p>
-        </p:txBody>
-      </p:sp>
-      <p:sp>
-        <p:nvSpPr>
-          <p:cNvPr id="16" name="矩形 15"/>
-          <p:cNvSpPr/>
-          <p:nvPr/>
-        </p:nvSpPr>
-        <p:spPr>
-          <a:xfrm>
-            <a:off x="6370104" y="1992406"/>
-            <a:ext cx="646331" cy="646331"/>
-          </a:xfrm>
-          <a:prstGeom prst="rect">
-            <a:avLst/>
-          </a:prstGeom>
-        </p:spPr>
-        <p:txBody>
-          <a:bodyPr wrap="none">
-            <a:spAutoFit/>
-          </a:bodyPr>
-          <a:lstStyle/>
-          <a:p>
-            <a:pPr lvl="0"/>
-            <a:r>
-              <a:rPr lang="zh-CN" altLang="en-US" sz="3600" dirty="0">
-                <a:solidFill>
-                  <a:prstClr val="white"/>
-                </a:solidFill>
-                <a:latin typeface="微软雅黑" pitchFamily="34" charset="-122"/>
-                <a:ea typeface="微软雅黑" pitchFamily="34" charset="-122"/>
-              </a:rPr>
-              <a:t>辩</a:t>
-            </a:r>
-          </a:p>
-        </p:txBody>
-      </p:sp>
-      <p:sp>
-        <p:nvSpPr>
-          <p:cNvPr id="20" name="Rectangle 7"/>
-          <p:cNvSpPr>
-            <a:spLocks noChangeArrowheads="1"/>
-          </p:cNvSpPr>
-          <p:nvPr/>
-        </p:nvSpPr>
-        <p:spPr bwMode="auto">
-          <a:xfrm>
-            <a:off x="2157635" y="1995145"/>
-            <a:ext cx="612068" cy="646331"/>
-          </a:xfrm>
-          <a:prstGeom prst="rect">
-            <a:avLst/>
-          </a:prstGeom>
-          <a:noFill/>
-          <a:ln w="9525">
-            <a:noFill/>
-            <a:miter lim="800000"/>
-            <a:headEnd/>
-            <a:tailEnd/>
-          </a:ln>
-        </p:spPr>
-        <p:txBody>
-          <a:bodyPr wrap="square">
-            <a:spAutoFit/>
-          </a:bodyPr>
-          <a:lstStyle/>
-          <a:p>
-            <a:r>
-              <a:rPr lang="zh-CN" altLang="en-US" sz="3600" dirty="0" smtClean="0">
+              <a:rPr lang="zh-CN" altLang="en-US" sz="2400" dirty="0">
                 <a:solidFill>
                   <a:schemeClr val="bg1"/>
                 </a:solidFill>
-                <a:latin typeface="微软雅黑" pitchFamily="34" charset="-122"/>
-                <a:ea typeface="微软雅黑" pitchFamily="34" charset="-122"/>
-              </a:rPr>
-              <a:t>本</a:t>
-            </a:r>
-            <a:endParaRPr lang="zh-CN" altLang="en-US" sz="3600" dirty="0">
+                <a:latin typeface="汉仪行楷简" pitchFamily="49" charset="-122"/>
+                <a:ea typeface="汉仪行楷简" pitchFamily="49" charset="-122"/>
+                <a:cs typeface="Times New Roman" pitchFamily="18" charset="0"/>
+              </a:rPr>
+              <a:t>指导</a:t>
+            </a:r>
+            <a:r>
+              <a:rPr lang="zh-CN" altLang="en-US" sz="2400" dirty="0" smtClean="0">
+                <a:solidFill>
+                  <a:schemeClr val="bg1"/>
+                </a:solidFill>
+                <a:latin typeface="汉仪行楷简" pitchFamily="49" charset="-122"/>
+                <a:ea typeface="汉仪行楷简" pitchFamily="49" charset="-122"/>
+                <a:cs typeface="Times New Roman" pitchFamily="18" charset="0"/>
+              </a:rPr>
+              <a:t>老师：郭勇</a:t>
+            </a:r>
+            <a:endParaRPr lang="zh-CN" altLang="en-US" sz="2400" dirty="0">
               <a:solidFill>
                 <a:schemeClr val="bg1"/>
               </a:solidFill>
-              <a:latin typeface="微软雅黑" pitchFamily="34" charset="-122"/>
-              <a:ea typeface="微软雅黑" pitchFamily="34" charset="-122"/>
+              <a:latin typeface="汉仪行楷简" pitchFamily="49" charset="-122"/>
+              <a:ea typeface="汉仪行楷简" pitchFamily="49" charset="-122"/>
+              <a:cs typeface="Times New Roman" pitchFamily="18" charset="0"/>
             </a:endParaRPr>
-          </a:p>
-        </p:txBody>
-      </p:sp>
-      <p:sp>
-        <p:nvSpPr>
-          <p:cNvPr id="21" name="矩形 20"/>
-          <p:cNvSpPr/>
-          <p:nvPr/>
-        </p:nvSpPr>
-        <p:spPr>
-          <a:xfrm>
-            <a:off x="2831161" y="1995145"/>
-            <a:ext cx="646331" cy="646331"/>
-          </a:xfrm>
-          <a:prstGeom prst="rect">
-            <a:avLst/>
-          </a:prstGeom>
-        </p:spPr>
-        <p:txBody>
-          <a:bodyPr wrap="none">
-            <a:spAutoFit/>
-          </a:bodyPr>
-          <a:lstStyle/>
-          <a:p>
-            <a:r>
-              <a:rPr lang="zh-CN" altLang="en-US" sz="3600" dirty="0">
-                <a:solidFill>
-                  <a:prstClr val="white"/>
-                </a:solidFill>
-                <a:latin typeface="微软雅黑" pitchFamily="34" charset="-122"/>
-                <a:ea typeface="微软雅黑" pitchFamily="34" charset="-122"/>
-              </a:rPr>
-              <a:t>科</a:t>
-            </a:r>
-            <a:endParaRPr lang="zh-CN" altLang="en-US" dirty="0"/>
-          </a:p>
-        </p:txBody>
-      </p:sp>
-      <p:sp>
-        <p:nvSpPr>
-          <p:cNvPr id="22" name="矩形 21"/>
-          <p:cNvSpPr/>
-          <p:nvPr/>
-        </p:nvSpPr>
-        <p:spPr>
-          <a:xfrm>
-            <a:off x="3538949" y="1995145"/>
-            <a:ext cx="646331" cy="646331"/>
-          </a:xfrm>
-          <a:prstGeom prst="rect">
-            <a:avLst/>
-          </a:prstGeom>
-        </p:spPr>
-        <p:txBody>
-          <a:bodyPr wrap="none">
-            <a:spAutoFit/>
-          </a:bodyPr>
-          <a:lstStyle/>
-          <a:p>
-            <a:r>
-              <a:rPr lang="zh-CN" altLang="en-US" sz="3600" dirty="0">
-                <a:solidFill>
-                  <a:prstClr val="white"/>
-                </a:solidFill>
-                <a:latin typeface="微软雅黑" pitchFamily="34" charset="-122"/>
-                <a:ea typeface="微软雅黑" pitchFamily="34" charset="-122"/>
-              </a:rPr>
-              <a:t>生</a:t>
-            </a:r>
-            <a:endParaRPr lang="zh-CN" altLang="en-US" dirty="0"/>
-          </a:p>
-        </p:txBody>
-      </p:sp>
-      <p:sp>
-        <p:nvSpPr>
-          <p:cNvPr id="23" name="矩形 22"/>
-          <p:cNvSpPr/>
-          <p:nvPr/>
-        </p:nvSpPr>
-        <p:spPr>
-          <a:xfrm>
-            <a:off x="4246737" y="1995145"/>
-            <a:ext cx="646331" cy="646331"/>
-          </a:xfrm>
-          <a:prstGeom prst="rect">
-            <a:avLst/>
-          </a:prstGeom>
-        </p:spPr>
-        <p:txBody>
-          <a:bodyPr wrap="none">
-            <a:spAutoFit/>
-          </a:bodyPr>
-          <a:lstStyle/>
-          <a:p>
-            <a:r>
-              <a:rPr lang="zh-CN" altLang="en-US" sz="3600" dirty="0">
-                <a:solidFill>
-                  <a:prstClr val="white"/>
-                </a:solidFill>
-                <a:latin typeface="微软雅黑" pitchFamily="34" charset="-122"/>
-                <a:ea typeface="微软雅黑" pitchFamily="34" charset="-122"/>
-              </a:rPr>
-              <a:t>毕</a:t>
-            </a:r>
-            <a:endParaRPr lang="zh-CN" altLang="en-US" dirty="0"/>
-          </a:p>
-        </p:txBody>
-      </p:sp>
-      <p:sp>
-        <p:nvSpPr>
-          <p:cNvPr id="24" name="矩形 23"/>
-          <p:cNvSpPr/>
-          <p:nvPr/>
-        </p:nvSpPr>
-        <p:spPr>
-          <a:xfrm>
-            <a:off x="4954525" y="1995145"/>
-            <a:ext cx="646331" cy="646331"/>
-          </a:xfrm>
-          <a:prstGeom prst="rect">
-            <a:avLst/>
-          </a:prstGeom>
-        </p:spPr>
-        <p:txBody>
-          <a:bodyPr wrap="none">
-            <a:spAutoFit/>
-          </a:bodyPr>
-          <a:lstStyle/>
-          <a:p>
-            <a:r>
-              <a:rPr lang="zh-CN" altLang="en-US" sz="3600" dirty="0">
-                <a:solidFill>
-                  <a:prstClr val="white"/>
-                </a:solidFill>
-                <a:latin typeface="微软雅黑" pitchFamily="34" charset="-122"/>
-                <a:ea typeface="微软雅黑" pitchFamily="34" charset="-122"/>
-              </a:rPr>
-              <a:t>业</a:t>
-            </a:r>
-            <a:endParaRPr lang="zh-CN" altLang="en-US" dirty="0"/>
-          </a:p>
-        </p:txBody>
-      </p:sp>
-      <p:sp>
-        <p:nvSpPr>
-          <p:cNvPr id="25" name="矩形 24"/>
-          <p:cNvSpPr/>
-          <p:nvPr/>
-        </p:nvSpPr>
-        <p:spPr>
-          <a:xfrm>
-            <a:off x="5662313" y="1995145"/>
-            <a:ext cx="646331" cy="646331"/>
-          </a:xfrm>
-          <a:prstGeom prst="rect">
-            <a:avLst/>
-          </a:prstGeom>
-        </p:spPr>
-        <p:txBody>
-          <a:bodyPr wrap="none">
-            <a:spAutoFit/>
-          </a:bodyPr>
-          <a:lstStyle/>
-          <a:p>
-            <a:r>
-              <a:rPr lang="zh-CN" altLang="en-US" sz="3600" dirty="0">
-                <a:solidFill>
-                  <a:prstClr val="white"/>
-                </a:solidFill>
-                <a:latin typeface="微软雅黑" pitchFamily="34" charset="-122"/>
-                <a:ea typeface="微软雅黑" pitchFamily="34" charset="-122"/>
-              </a:rPr>
-              <a:t>答</a:t>
-            </a:r>
-            <a:endParaRPr lang="zh-CN" altLang="en-US" dirty="0"/>
-          </a:p>
-        </p:txBody>
-      </p:sp>
-      <p:sp>
-        <p:nvSpPr>
-          <p:cNvPr id="26" name="矩形 25"/>
-          <p:cNvSpPr/>
-          <p:nvPr/>
-        </p:nvSpPr>
-        <p:spPr>
-          <a:xfrm>
-            <a:off x="6370103" y="1995145"/>
-            <a:ext cx="646331" cy="646331"/>
-          </a:xfrm>
-          <a:prstGeom prst="rect">
-            <a:avLst/>
-          </a:prstGeom>
-        </p:spPr>
-        <p:txBody>
-          <a:bodyPr wrap="none">
-            <a:spAutoFit/>
-          </a:bodyPr>
-          <a:lstStyle/>
-          <a:p>
-            <a:pPr lvl="0"/>
-            <a:r>
-              <a:rPr lang="zh-CN" altLang="en-US" sz="3600" dirty="0">
-                <a:solidFill>
-                  <a:prstClr val="white"/>
-                </a:solidFill>
-                <a:latin typeface="微软雅黑" pitchFamily="34" charset="-122"/>
-                <a:ea typeface="微软雅黑" pitchFamily="34" charset="-122"/>
-              </a:rPr>
-              <a:t>辩</a:t>
-            </a:r>
-          </a:p>
-        </p:txBody>
-      </p:sp>
-      <p:sp>
-        <p:nvSpPr>
-          <p:cNvPr id="27" name="TextBox 26"/>
-          <p:cNvSpPr txBox="1"/>
-          <p:nvPr/>
-        </p:nvSpPr>
-        <p:spPr>
-          <a:xfrm>
-            <a:off x="3358463" y="3619971"/>
-            <a:ext cx="2031325" cy="461665"/>
-          </a:xfrm>
-          <a:prstGeom prst="rect">
-            <a:avLst/>
-          </a:prstGeom>
-          <a:noFill/>
-        </p:spPr>
-        <p:txBody>
-          <a:bodyPr wrap="none" rtlCol="0">
-            <a:spAutoFit/>
-          </a:bodyPr>
-          <a:lstStyle/>
-          <a:p>
-            <a:r>
-              <a:rPr lang="zh-CN" altLang="en-US" sz="2400" dirty="0" smtClean="0">
-                <a:solidFill>
-                  <a:schemeClr val="bg1"/>
-                </a:solidFill>
-                <a:latin typeface="汉仪行楷简" pitchFamily="49" charset="-122"/>
-                <a:ea typeface="汉仪行楷简" pitchFamily="49" charset="-122"/>
-                <a:cs typeface="Times New Roman" pitchFamily="18" charset="0"/>
-              </a:rPr>
-              <a:t>答辩人：</a:t>
-            </a:r>
-            <a:r>
-              <a:rPr lang="zh-CN" altLang="en-US" sz="2400" dirty="0">
-                <a:solidFill>
-                  <a:schemeClr val="bg1"/>
-                </a:solidFill>
-                <a:latin typeface="汉仪行楷简" pitchFamily="49" charset="-122"/>
-                <a:ea typeface="汉仪行楷简" pitchFamily="49" charset="-122"/>
-                <a:cs typeface="Times New Roman" pitchFamily="18" charset="0"/>
-              </a:rPr>
-              <a:t>乐远</a:t>
-            </a:r>
           </a:p>
         </p:txBody>
       </p:sp>
@@ -4314,2756 +3816,92 @@
       <p:transition spd="slow"/>
     </mc:Fallback>
   </mc:AlternateContent>
-  <mc:AlternateContent xmlns:mc="http://schemas.openxmlformats.org/markup-compatibility/2006">
-    <mc:Choice xmlns:p14="http://schemas.microsoft.com/office/powerpoint/2010/main" Requires="p14">
-      <p:timing>
-        <p:tnLst>
-          <p:par>
-            <p:cTn id="1" dur="indefinite" restart="never" nodeType="tmRoot">
-              <p:childTnLst>
-                <p:seq concurrent="1" nextAc="seek">
-                  <p:cTn id="2" dur="indefinite" nodeType="mainSeq">
-                    <p:childTnLst>
-                      <p:par>
-                        <p:cTn id="3" fill="hold">
-                          <p:stCondLst>
-                            <p:cond delay="indefinite"/>
-                          </p:stCondLst>
-                          <p:childTnLst>
-                            <p:par>
-                              <p:cTn id="4" fill="hold">
-                                <p:stCondLst>
-                                  <p:cond delay="0"/>
-                                </p:stCondLst>
-                                <p:childTnLst>
-                                  <p:par>
-                                    <p:cTn id="5" presetID="8" presetClass="emph" presetSubtype="0" accel="65333" fill="hold" grpId="0" nodeType="clickEffect">
-                                      <p:stCondLst>
-                                        <p:cond delay="0"/>
-                                      </p:stCondLst>
-                                      <p:childTnLst>
-                                        <p:animRot by="-14700000">
-                                          <p:cBhvr>
-                                            <p:cTn id="6" dur="550" fill="hold"/>
-                                            <p:tgtEl>
-                                              <p:spTgt spid="17"/>
-                                            </p:tgtEl>
-                                            <p:attrNameLst>
-                                              <p:attrName>r</p:attrName>
-                                            </p:attrNameLst>
-                                          </p:cBhvr>
-                                        </p:animRot>
-                                      </p:childTnLst>
-                                    </p:cTn>
-                                  </p:par>
-                                </p:childTnLst>
-                              </p:cTn>
-                            </p:par>
-                            <p:par>
-                              <p:cTn id="7" fill="hold">
-                                <p:stCondLst>
-                                  <p:cond delay="550"/>
-                                </p:stCondLst>
-                                <p:childTnLst>
-                                  <p:par>
-                                    <p:cTn id="8" presetID="8" presetClass="emph" presetSubtype="0" decel="60000" fill="hold" grpId="1" nodeType="afterEffect">
-                                      <p:stCondLst>
-                                        <p:cond delay="0"/>
-                                      </p:stCondLst>
-                                      <p:childTnLst>
-                                        <p:animRot by="7200000">
-                                          <p:cBhvr>
-                                            <p:cTn id="9" dur="350" fill="hold"/>
-                                            <p:tgtEl>
-                                              <p:spTgt spid="17"/>
-                                            </p:tgtEl>
-                                            <p:attrNameLst>
-                                              <p:attrName>r</p:attrName>
-                                            </p:attrNameLst>
-                                          </p:cBhvr>
-                                        </p:animRot>
-                                      </p:childTnLst>
-                                    </p:cTn>
-                                  </p:par>
-                                  <p:par>
-                                    <p:cTn id="10" presetID="8" presetClass="emph" presetSubtype="0" decel="60000" fill="hold" grpId="2" nodeType="withEffect">
-                                      <p:stCondLst>
-                                        <p:cond delay="350"/>
-                                      </p:stCondLst>
-                                      <p:childTnLst>
-                                        <p:animRot by="-6600000">
-                                          <p:cBhvr>
-                                            <p:cTn id="11" dur="350" fill="hold"/>
-                                            <p:tgtEl>
-                                              <p:spTgt spid="17"/>
-                                            </p:tgtEl>
-                                            <p:attrNameLst>
-                                              <p:attrName>r</p:attrName>
-                                            </p:attrNameLst>
-                                          </p:cBhvr>
-                                        </p:animRot>
-                                      </p:childTnLst>
-                                    </p:cTn>
-                                  </p:par>
-                                  <p:par>
-                                    <p:cTn id="12" presetID="8" presetClass="emph" presetSubtype="0" decel="60000" fill="hold" grpId="3" nodeType="withEffect">
-                                      <p:stCondLst>
-                                        <p:cond delay="650"/>
-                                      </p:stCondLst>
-                                      <p:childTnLst>
-                                        <p:animRot by="6000000">
-                                          <p:cBhvr>
-                                            <p:cTn id="13" dur="350" fill="hold"/>
-                                            <p:tgtEl>
-                                              <p:spTgt spid="17"/>
-                                            </p:tgtEl>
-                                            <p:attrNameLst>
-                                              <p:attrName>r</p:attrName>
-                                            </p:attrNameLst>
-                                          </p:cBhvr>
-                                        </p:animRot>
-                                      </p:childTnLst>
-                                    </p:cTn>
-                                  </p:par>
-                                  <p:par>
-                                    <p:cTn id="14" presetID="42" presetClass="path" presetSubtype="0" accel="50000" decel="50000" fill="hold" grpId="4" nodeType="withEffect">
-                                      <p:stCondLst>
-                                        <p:cond delay="700"/>
-                                      </p:stCondLst>
-                                      <p:childTnLst>
-                                        <p:animMotion origin="layout" path="M 1.94444E-6 4.27746E-6 L 1.94444E-6 0.60277 " pathEditMode="relative" rAng="0" ptsTypes="AA">
-                                          <p:cBhvr>
-                                            <p:cTn id="15" dur="550" fill="hold"/>
-                                            <p:tgtEl>
-                                              <p:spTgt spid="17"/>
-                                            </p:tgtEl>
-                                            <p:attrNameLst>
-                                              <p:attrName>ppt_x</p:attrName>
-                                              <p:attrName>ppt_y</p:attrName>
-                                            </p:attrNameLst>
-                                          </p:cBhvr>
-                                          <p:rCtr x="0" y="30127"/>
-                                        </p:animMotion>
-                                      </p:childTnLst>
-                                    </p:cTn>
-                                  </p:par>
-                                  <p:par>
-                                    <p:cTn id="16" presetID="10" presetClass="exit" presetSubtype="0" fill="hold" grpId="5" nodeType="withEffect">
-                                      <p:stCondLst>
-                                        <p:cond delay="700"/>
-                                      </p:stCondLst>
-                                      <p:childTnLst>
-                                        <p:animEffect transition="out" filter="fade">
-                                          <p:cBhvr>
-                                            <p:cTn id="17" dur="550"/>
-                                            <p:tgtEl>
-                                              <p:spTgt spid="17"/>
-                                            </p:tgtEl>
-                                          </p:cBhvr>
-                                        </p:animEffect>
-                                        <p:set>
-                                          <p:cBhvr>
-                                            <p:cTn id="18" dur="1" fill="hold">
-                                              <p:stCondLst>
-                                                <p:cond delay="549"/>
-                                              </p:stCondLst>
-                                            </p:cTn>
-                                            <p:tgtEl>
-                                              <p:spTgt spid="17"/>
-                                            </p:tgtEl>
-                                            <p:attrNameLst>
-                                              <p:attrName>style.visibility</p:attrName>
-                                            </p:attrNameLst>
-                                          </p:cBhvr>
-                                          <p:to>
-                                            <p:strVal val="hidden"/>
-                                          </p:to>
-                                        </p:set>
-                                      </p:childTnLst>
-                                    </p:cTn>
-                                  </p:par>
-                                  <p:par>
-                                    <p:cTn id="19" presetID="8" presetClass="emph" presetSubtype="0" accel="65333" fill="hold" grpId="0" nodeType="withEffect">
-                                      <p:stCondLst>
-                                        <p:cond delay="50"/>
-                                      </p:stCondLst>
-                                      <p:childTnLst>
-                                        <p:animRot by="14700000">
-                                          <p:cBhvr>
-                                            <p:cTn id="20" dur="650" fill="hold"/>
-                                            <p:tgtEl>
-                                              <p:spTgt spid="12"/>
-                                            </p:tgtEl>
-                                            <p:attrNameLst>
-                                              <p:attrName>r</p:attrName>
-                                            </p:attrNameLst>
-                                          </p:cBhvr>
-                                        </p:animRot>
-                                      </p:childTnLst>
-                                    </p:cTn>
-                                  </p:par>
-                                  <p:par>
-                                    <p:cTn id="21" presetID="8" presetClass="emph" presetSubtype="0" decel="60000" fill="hold" grpId="1" nodeType="withEffect">
-                                      <p:stCondLst>
-                                        <p:cond delay="650"/>
-                                      </p:stCondLst>
-                                      <p:childTnLst>
-                                        <p:animRot by="-7200000">
-                                          <p:cBhvr>
-                                            <p:cTn id="22" dur="350" fill="hold"/>
-                                            <p:tgtEl>
-                                              <p:spTgt spid="12"/>
-                                            </p:tgtEl>
-                                            <p:attrNameLst>
-                                              <p:attrName>r</p:attrName>
-                                            </p:attrNameLst>
-                                          </p:cBhvr>
-                                        </p:animRot>
-                                      </p:childTnLst>
-                                    </p:cTn>
-                                  </p:par>
-                                  <p:par>
-                                    <p:cTn id="23" presetID="8" presetClass="emph" presetSubtype="0" decel="60000" fill="hold" grpId="2" nodeType="withEffect">
-                                      <p:stCondLst>
-                                        <p:cond delay="950"/>
-                                      </p:stCondLst>
-                                      <p:childTnLst>
-                                        <p:animRot by="6600000">
-                                          <p:cBhvr>
-                                            <p:cTn id="24" dur="350" fill="hold"/>
-                                            <p:tgtEl>
-                                              <p:spTgt spid="12"/>
-                                            </p:tgtEl>
-                                            <p:attrNameLst>
-                                              <p:attrName>r</p:attrName>
-                                            </p:attrNameLst>
-                                          </p:cBhvr>
-                                        </p:animRot>
-                                      </p:childTnLst>
-                                    </p:cTn>
-                                  </p:par>
-                                </p:childTnLst>
-                              </p:cTn>
-                            </p:par>
-                            <p:par>
-                              <p:cTn id="25" fill="hold">
-                                <p:stCondLst>
-                                  <p:cond delay="1850"/>
-                                </p:stCondLst>
-                                <p:childTnLst>
-                                  <p:par>
-                                    <p:cTn id="26" presetID="8" presetClass="emph" presetSubtype="0" decel="60000" fill="hold" grpId="3" nodeType="afterEffect">
-                                      <p:stCondLst>
-                                        <p:cond delay="0"/>
-                                      </p:stCondLst>
-                                      <p:childTnLst>
-                                        <p:animRot by="-6000000">
-                                          <p:cBhvr>
-                                            <p:cTn id="27" dur="350" fill="hold"/>
-                                            <p:tgtEl>
-                                              <p:spTgt spid="12"/>
-                                            </p:tgtEl>
-                                            <p:attrNameLst>
-                                              <p:attrName>r</p:attrName>
-                                            </p:attrNameLst>
-                                          </p:cBhvr>
-                                        </p:animRot>
-                                      </p:childTnLst>
-                                    </p:cTn>
-                                  </p:par>
-                                  <p:par>
-                                    <p:cTn id="28" presetID="42" presetClass="path" presetSubtype="0" accel="50000" decel="50000" fill="hold" grpId="4" nodeType="withEffect">
-                                      <p:stCondLst>
-                                        <p:cond delay="0"/>
-                                      </p:stCondLst>
-                                      <p:childTnLst>
-                                        <p:animMotion origin="layout" path="M 1.94444E-6 4.27746E-6 L 1.94444E-6 0.60277 " pathEditMode="relative" rAng="0" ptsTypes="AA">
-                                          <p:cBhvr>
-                                            <p:cTn id="29" dur="700" fill="hold"/>
-                                            <p:tgtEl>
-                                              <p:spTgt spid="12"/>
-                                            </p:tgtEl>
-                                            <p:attrNameLst>
-                                              <p:attrName>ppt_x</p:attrName>
-                                              <p:attrName>ppt_y</p:attrName>
-                                            </p:attrNameLst>
-                                          </p:cBhvr>
-                                          <p:rCtr x="0" y="30127"/>
-                                        </p:animMotion>
-                                      </p:childTnLst>
-                                    </p:cTn>
-                                  </p:par>
-                                  <p:par>
-                                    <p:cTn id="30" presetID="10" presetClass="exit" presetSubtype="0" fill="hold" grpId="5" nodeType="withEffect">
-                                      <p:stCondLst>
-                                        <p:cond delay="0"/>
-                                      </p:stCondLst>
-                                      <p:childTnLst>
-                                        <p:animEffect transition="out" filter="fade">
-                                          <p:cBhvr>
-                                            <p:cTn id="31" dur="700"/>
-                                            <p:tgtEl>
-                                              <p:spTgt spid="12"/>
-                                            </p:tgtEl>
-                                          </p:cBhvr>
-                                        </p:animEffect>
-                                        <p:set>
-                                          <p:cBhvr>
-                                            <p:cTn id="32" dur="1" fill="hold">
-                                              <p:stCondLst>
-                                                <p:cond delay="699"/>
-                                              </p:stCondLst>
-                                            </p:cTn>
-                                            <p:tgtEl>
-                                              <p:spTgt spid="12"/>
-                                            </p:tgtEl>
-                                            <p:attrNameLst>
-                                              <p:attrName>style.visibility</p:attrName>
-                                            </p:attrNameLst>
-                                          </p:cBhvr>
-                                          <p:to>
-                                            <p:strVal val="hidden"/>
-                                          </p:to>
-                                        </p:set>
-                                      </p:childTnLst>
-                                    </p:cTn>
-                                  </p:par>
-                                  <p:par>
-                                    <p:cTn id="33" presetID="8" presetClass="emph" presetSubtype="0" accel="65333" fill="hold" grpId="0" nodeType="withEffect">
-                                      <p:stCondLst>
-                                        <p:cond delay="0"/>
-                                      </p:stCondLst>
-                                      <p:childTnLst>
-                                        <p:animRot by="14700000">
-                                          <p:cBhvr>
-                                            <p:cTn id="34" dur="650" fill="hold"/>
-                                            <p:tgtEl>
-                                              <p:spTgt spid="16"/>
-                                            </p:tgtEl>
-                                            <p:attrNameLst>
-                                              <p:attrName>r</p:attrName>
-                                            </p:attrNameLst>
-                                          </p:cBhvr>
-                                        </p:animRot>
-                                      </p:childTnLst>
-                                    </p:cTn>
-                                  </p:par>
-                                  <p:par>
-                                    <p:cTn id="35" presetID="8" presetClass="emph" presetSubtype="0" decel="60000" fill="hold" grpId="1" nodeType="withEffect">
-                                      <p:stCondLst>
-                                        <p:cond delay="650"/>
-                                      </p:stCondLst>
-                                      <p:childTnLst>
-                                        <p:animRot by="-7200000">
-                                          <p:cBhvr>
-                                            <p:cTn id="36" dur="350" fill="hold"/>
-                                            <p:tgtEl>
-                                              <p:spTgt spid="16"/>
-                                            </p:tgtEl>
-                                            <p:attrNameLst>
-                                              <p:attrName>r</p:attrName>
-                                            </p:attrNameLst>
-                                          </p:cBhvr>
-                                        </p:animRot>
-                                      </p:childTnLst>
-                                    </p:cTn>
-                                  </p:par>
-                                  <p:par>
-                                    <p:cTn id="37" presetID="8" presetClass="emph" presetSubtype="0" decel="60000" fill="hold" grpId="2" nodeType="withEffect">
-                                      <p:stCondLst>
-                                        <p:cond delay="950"/>
-                                      </p:stCondLst>
-                                      <p:childTnLst>
-                                        <p:animRot by="6600000">
-                                          <p:cBhvr>
-                                            <p:cTn id="38" dur="350" fill="hold"/>
-                                            <p:tgtEl>
-                                              <p:spTgt spid="16"/>
-                                            </p:tgtEl>
-                                            <p:attrNameLst>
-                                              <p:attrName>r</p:attrName>
-                                            </p:attrNameLst>
-                                          </p:cBhvr>
-                                        </p:animRot>
-                                      </p:childTnLst>
-                                    </p:cTn>
-                                  </p:par>
-                                </p:childTnLst>
-                              </p:cTn>
-                            </p:par>
-                            <p:par>
-                              <p:cTn id="39" fill="hold">
-                                <p:stCondLst>
-                                  <p:cond delay="3150"/>
-                                </p:stCondLst>
-                                <p:childTnLst>
-                                  <p:par>
-                                    <p:cTn id="40" presetID="8" presetClass="emph" presetSubtype="0" decel="60000" fill="hold" grpId="3" nodeType="afterEffect">
-                                      <p:stCondLst>
-                                        <p:cond delay="0"/>
-                                      </p:stCondLst>
-                                      <p:childTnLst>
-                                        <p:animRot by="-6000000">
-                                          <p:cBhvr>
-                                            <p:cTn id="41" dur="350" fill="hold"/>
-                                            <p:tgtEl>
-                                              <p:spTgt spid="16"/>
-                                            </p:tgtEl>
-                                            <p:attrNameLst>
-                                              <p:attrName>r</p:attrName>
-                                            </p:attrNameLst>
-                                          </p:cBhvr>
-                                        </p:animRot>
-                                      </p:childTnLst>
-                                    </p:cTn>
-                                  </p:par>
-                                  <p:par>
-                                    <p:cTn id="42" presetID="42" presetClass="path" presetSubtype="0" accel="50000" decel="50000" fill="hold" grpId="4" nodeType="withEffect">
-                                      <p:stCondLst>
-                                        <p:cond delay="0"/>
-                                      </p:stCondLst>
-                                      <p:childTnLst>
-                                        <p:animMotion origin="layout" path="M 1.94444E-6 4.27746E-6 L 1.94444E-6 0.60277 " pathEditMode="relative" rAng="0" ptsTypes="AA">
-                                          <p:cBhvr>
-                                            <p:cTn id="43" dur="700" fill="hold"/>
-                                            <p:tgtEl>
-                                              <p:spTgt spid="16"/>
-                                            </p:tgtEl>
-                                            <p:attrNameLst>
-                                              <p:attrName>ppt_x</p:attrName>
-                                              <p:attrName>ppt_y</p:attrName>
-                                            </p:attrNameLst>
-                                          </p:cBhvr>
-                                          <p:rCtr x="0" y="30127"/>
-                                        </p:animMotion>
-                                      </p:childTnLst>
-                                    </p:cTn>
-                                  </p:par>
-                                  <p:par>
-                                    <p:cTn id="44" presetID="10" presetClass="exit" presetSubtype="0" fill="hold" grpId="5" nodeType="withEffect">
-                                      <p:stCondLst>
-                                        <p:cond delay="0"/>
-                                      </p:stCondLst>
-                                      <p:childTnLst>
-                                        <p:animEffect transition="out" filter="fade">
-                                          <p:cBhvr>
-                                            <p:cTn id="45" dur="700"/>
-                                            <p:tgtEl>
-                                              <p:spTgt spid="16"/>
-                                            </p:tgtEl>
-                                          </p:cBhvr>
-                                        </p:animEffect>
-                                        <p:set>
-                                          <p:cBhvr>
-                                            <p:cTn id="46" dur="1" fill="hold">
-                                              <p:stCondLst>
-                                                <p:cond delay="699"/>
-                                              </p:stCondLst>
-                                            </p:cTn>
-                                            <p:tgtEl>
-                                              <p:spTgt spid="16"/>
-                                            </p:tgtEl>
-                                            <p:attrNameLst>
-                                              <p:attrName>style.visibility</p:attrName>
-                                            </p:attrNameLst>
-                                          </p:cBhvr>
-                                          <p:to>
-                                            <p:strVal val="hidden"/>
-                                          </p:to>
-                                        </p:set>
-                                      </p:childTnLst>
-                                    </p:cTn>
-                                  </p:par>
-                                  <p:par>
-                                    <p:cTn id="47" presetID="8" presetClass="emph" presetSubtype="0" accel="65333" fill="hold" grpId="0" nodeType="withEffect">
-                                      <p:stCondLst>
-                                        <p:cond delay="0"/>
-                                      </p:stCondLst>
-                                      <p:childTnLst>
-                                        <p:animRot by="14700000">
-                                          <p:cBhvr>
-                                            <p:cTn id="48" dur="650" fill="hold"/>
-                                            <p:tgtEl>
-                                              <p:spTgt spid="14"/>
-                                            </p:tgtEl>
-                                            <p:attrNameLst>
-                                              <p:attrName>r</p:attrName>
-                                            </p:attrNameLst>
-                                          </p:cBhvr>
-                                        </p:animRot>
-                                      </p:childTnLst>
-                                    </p:cTn>
-                                  </p:par>
-                                  <p:par>
-                                    <p:cTn id="49" presetID="8" presetClass="emph" presetSubtype="0" decel="60000" fill="hold" grpId="1" nodeType="withEffect">
-                                      <p:stCondLst>
-                                        <p:cond delay="650"/>
-                                      </p:stCondLst>
-                                      <p:childTnLst>
-                                        <p:animRot by="-7200000">
-                                          <p:cBhvr>
-                                            <p:cTn id="50" dur="350" fill="hold"/>
-                                            <p:tgtEl>
-                                              <p:spTgt spid="14"/>
-                                            </p:tgtEl>
-                                            <p:attrNameLst>
-                                              <p:attrName>r</p:attrName>
-                                            </p:attrNameLst>
-                                          </p:cBhvr>
-                                        </p:animRot>
-                                      </p:childTnLst>
-                                    </p:cTn>
-                                  </p:par>
-                                  <p:par>
-                                    <p:cTn id="51" presetID="8" presetClass="emph" presetSubtype="0" decel="60000" fill="hold" grpId="2" nodeType="withEffect">
-                                      <p:stCondLst>
-                                        <p:cond delay="950"/>
-                                      </p:stCondLst>
-                                      <p:childTnLst>
-                                        <p:animRot by="6600000">
-                                          <p:cBhvr>
-                                            <p:cTn id="52" dur="350" fill="hold"/>
-                                            <p:tgtEl>
-                                              <p:spTgt spid="14"/>
-                                            </p:tgtEl>
-                                            <p:attrNameLst>
-                                              <p:attrName>r</p:attrName>
-                                            </p:attrNameLst>
-                                          </p:cBhvr>
-                                        </p:animRot>
-                                      </p:childTnLst>
-                                    </p:cTn>
-                                  </p:par>
-                                </p:childTnLst>
-                              </p:cTn>
-                            </p:par>
-                            <p:par>
-                              <p:cTn id="53" fill="hold">
-                                <p:stCondLst>
-                                  <p:cond delay="4450"/>
-                                </p:stCondLst>
-                                <p:childTnLst>
-                                  <p:par>
-                                    <p:cTn id="54" presetID="8" presetClass="emph" presetSubtype="0" decel="60000" fill="hold" grpId="3" nodeType="afterEffect">
-                                      <p:stCondLst>
-                                        <p:cond delay="0"/>
-                                      </p:stCondLst>
-                                      <p:childTnLst>
-                                        <p:animRot by="-6000000">
-                                          <p:cBhvr>
-                                            <p:cTn id="55" dur="350" fill="hold"/>
-                                            <p:tgtEl>
-                                              <p:spTgt spid="14"/>
-                                            </p:tgtEl>
-                                            <p:attrNameLst>
-                                              <p:attrName>r</p:attrName>
-                                            </p:attrNameLst>
-                                          </p:cBhvr>
-                                        </p:animRot>
-                                      </p:childTnLst>
-                                    </p:cTn>
-                                  </p:par>
-                                  <p:par>
-                                    <p:cTn id="56" presetID="42" presetClass="path" presetSubtype="0" accel="50000" decel="50000" fill="hold" grpId="4" nodeType="withEffect">
-                                      <p:stCondLst>
-                                        <p:cond delay="0"/>
-                                      </p:stCondLst>
-                                      <p:childTnLst>
-                                        <p:animMotion origin="layout" path="M 1.94444E-6 4.27746E-6 L 1.94444E-6 0.60277 " pathEditMode="relative" rAng="0" ptsTypes="AA">
-                                          <p:cBhvr>
-                                            <p:cTn id="57" dur="700" fill="hold"/>
-                                            <p:tgtEl>
-                                              <p:spTgt spid="14"/>
-                                            </p:tgtEl>
-                                            <p:attrNameLst>
-                                              <p:attrName>ppt_x</p:attrName>
-                                              <p:attrName>ppt_y</p:attrName>
-                                            </p:attrNameLst>
-                                          </p:cBhvr>
-                                          <p:rCtr x="0" y="30127"/>
-                                        </p:animMotion>
-                                      </p:childTnLst>
-                                    </p:cTn>
-                                  </p:par>
-                                  <p:par>
-                                    <p:cTn id="58" presetID="10" presetClass="exit" presetSubtype="0" fill="hold" grpId="5" nodeType="withEffect">
-                                      <p:stCondLst>
-                                        <p:cond delay="0"/>
-                                      </p:stCondLst>
-                                      <p:childTnLst>
-                                        <p:animEffect transition="out" filter="fade">
-                                          <p:cBhvr>
-                                            <p:cTn id="59" dur="700"/>
-                                            <p:tgtEl>
-                                              <p:spTgt spid="14"/>
-                                            </p:tgtEl>
-                                          </p:cBhvr>
-                                        </p:animEffect>
-                                        <p:set>
-                                          <p:cBhvr>
-                                            <p:cTn id="60" dur="1" fill="hold">
-                                              <p:stCondLst>
-                                                <p:cond delay="699"/>
-                                              </p:stCondLst>
-                                            </p:cTn>
-                                            <p:tgtEl>
-                                              <p:spTgt spid="14"/>
-                                            </p:tgtEl>
-                                            <p:attrNameLst>
-                                              <p:attrName>style.visibility</p:attrName>
-                                            </p:attrNameLst>
-                                          </p:cBhvr>
-                                          <p:to>
-                                            <p:strVal val="hidden"/>
-                                          </p:to>
-                                        </p:set>
-                                      </p:childTnLst>
-                                    </p:cTn>
-                                  </p:par>
-                                  <p:par>
-                                    <p:cTn id="61" presetID="8" presetClass="emph" presetSubtype="0" accel="65333" fill="hold" grpId="0" nodeType="withEffect">
-                                      <p:stCondLst>
-                                        <p:cond delay="350"/>
-                                      </p:stCondLst>
-                                      <p:childTnLst>
-                                        <p:animRot by="-14700000">
-                                          <p:cBhvr>
-                                            <p:cTn id="62" dur="650" fill="hold"/>
-                                            <p:tgtEl>
-                                              <p:spTgt spid="10"/>
-                                            </p:tgtEl>
-                                            <p:attrNameLst>
-                                              <p:attrName>r</p:attrName>
-                                            </p:attrNameLst>
-                                          </p:cBhvr>
-                                        </p:animRot>
-                                      </p:childTnLst>
-                                    </p:cTn>
-                                  </p:par>
-                                  <p:par>
-                                    <p:cTn id="63" presetID="8" presetClass="emph" presetSubtype="0" decel="60000" fill="hold" grpId="1" nodeType="withEffect">
-                                      <p:stCondLst>
-                                        <p:cond delay="950"/>
-                                      </p:stCondLst>
-                                      <p:childTnLst>
-                                        <p:animRot by="7200000">
-                                          <p:cBhvr>
-                                            <p:cTn id="64" dur="350" fill="hold"/>
-                                            <p:tgtEl>
-                                              <p:spTgt spid="10"/>
-                                            </p:tgtEl>
-                                            <p:attrNameLst>
-                                              <p:attrName>r</p:attrName>
-                                            </p:attrNameLst>
-                                          </p:cBhvr>
-                                        </p:animRot>
-                                      </p:childTnLst>
-                                    </p:cTn>
-                                  </p:par>
-                                  <p:par>
-                                    <p:cTn id="65" presetID="8" presetClass="emph" presetSubtype="0" decel="60000" fill="hold" grpId="2" nodeType="withEffect">
-                                      <p:stCondLst>
-                                        <p:cond delay="0"/>
-                                      </p:stCondLst>
-                                      <p:childTnLst>
-                                        <p:animRot by="-6600000">
-                                          <p:cBhvr>
-                                            <p:cTn id="66" dur="350" fill="hold"/>
-                                            <p:tgtEl>
-                                              <p:spTgt spid="10"/>
-                                            </p:tgtEl>
-                                            <p:attrNameLst>
-                                              <p:attrName>r</p:attrName>
-                                            </p:attrNameLst>
-                                          </p:cBhvr>
-                                        </p:animRot>
-                                      </p:childTnLst>
-                                    </p:cTn>
-                                  </p:par>
-                                  <p:par>
-                                    <p:cTn id="67" presetID="8" presetClass="emph" presetSubtype="0" decel="60000" fill="hold" grpId="3" nodeType="withEffect">
-                                      <p:stCondLst>
-                                        <p:cond delay="350"/>
-                                      </p:stCondLst>
-                                      <p:childTnLst>
-                                        <p:animRot by="6000000">
-                                          <p:cBhvr>
-                                            <p:cTn id="68" dur="350" fill="hold"/>
-                                            <p:tgtEl>
-                                              <p:spTgt spid="10"/>
-                                            </p:tgtEl>
-                                            <p:attrNameLst>
-                                              <p:attrName>r</p:attrName>
-                                            </p:attrNameLst>
-                                          </p:cBhvr>
-                                        </p:animRot>
-                                      </p:childTnLst>
-                                    </p:cTn>
-                                  </p:par>
-                                  <p:par>
-                                    <p:cTn id="69" presetID="42" presetClass="path" presetSubtype="0" accel="50000" decel="50000" fill="hold" grpId="4" nodeType="withEffect">
-                                      <p:stCondLst>
-                                        <p:cond delay="350"/>
-                                      </p:stCondLst>
-                                      <p:childTnLst>
-                                        <p:animMotion origin="layout" path="M 1.94444E-6 4.27746E-6 L 1.94444E-6 0.60277 " pathEditMode="relative" rAng="0" ptsTypes="AA">
-                                          <p:cBhvr>
-                                            <p:cTn id="70" dur="500" fill="hold"/>
-                                            <p:tgtEl>
-                                              <p:spTgt spid="10"/>
-                                            </p:tgtEl>
-                                            <p:attrNameLst>
-                                              <p:attrName>ppt_x</p:attrName>
-                                              <p:attrName>ppt_y</p:attrName>
-                                            </p:attrNameLst>
-                                          </p:cBhvr>
-                                          <p:rCtr x="0" y="30127"/>
-                                        </p:animMotion>
-                                      </p:childTnLst>
-                                    </p:cTn>
-                                  </p:par>
-                                  <p:par>
-                                    <p:cTn id="71" presetID="10" presetClass="exit" presetSubtype="0" fill="hold" grpId="5" nodeType="withEffect">
-                                      <p:stCondLst>
-                                        <p:cond delay="350"/>
-                                      </p:stCondLst>
-                                      <p:childTnLst>
-                                        <p:animEffect transition="out" filter="fade">
-                                          <p:cBhvr>
-                                            <p:cTn id="72" dur="500"/>
-                                            <p:tgtEl>
-                                              <p:spTgt spid="10"/>
-                                            </p:tgtEl>
-                                          </p:cBhvr>
-                                        </p:animEffect>
-                                        <p:set>
-                                          <p:cBhvr>
-                                            <p:cTn id="73" dur="1" fill="hold">
-                                              <p:stCondLst>
-                                                <p:cond delay="499"/>
-                                              </p:stCondLst>
-                                            </p:cTn>
-                                            <p:tgtEl>
-                                              <p:spTgt spid="10"/>
-                                            </p:tgtEl>
-                                            <p:attrNameLst>
-                                              <p:attrName>style.visibility</p:attrName>
-                                            </p:attrNameLst>
-                                          </p:cBhvr>
-                                          <p:to>
-                                            <p:strVal val="hidden"/>
-                                          </p:to>
-                                        </p:set>
-                                      </p:childTnLst>
-                                    </p:cTn>
-                                  </p:par>
-                                  <p:par>
-                                    <p:cTn id="74" presetID="8" presetClass="emph" presetSubtype="0" accel="65333" fill="hold" grpId="0" nodeType="withEffect">
-                                      <p:stCondLst>
-                                        <p:cond delay="0"/>
-                                      </p:stCondLst>
-                                      <p:childTnLst>
-                                        <p:animRot by="14700000">
-                                          <p:cBhvr>
-                                            <p:cTn id="75" dur="650" fill="hold"/>
-                                            <p:tgtEl>
-                                              <p:spTgt spid="8"/>
-                                            </p:tgtEl>
-                                            <p:attrNameLst>
-                                              <p:attrName>r</p:attrName>
-                                            </p:attrNameLst>
-                                          </p:cBhvr>
-                                        </p:animRot>
-                                      </p:childTnLst>
-                                    </p:cTn>
-                                  </p:par>
-                                  <p:par>
-                                    <p:cTn id="76" presetID="8" presetClass="emph" presetSubtype="0" decel="60000" fill="hold" grpId="1" nodeType="withEffect">
-                                      <p:stCondLst>
-                                        <p:cond delay="650"/>
-                                      </p:stCondLst>
-                                      <p:childTnLst>
-                                        <p:animRot by="-7200000">
-                                          <p:cBhvr>
-                                            <p:cTn id="77" dur="350" fill="hold"/>
-                                            <p:tgtEl>
-                                              <p:spTgt spid="8"/>
-                                            </p:tgtEl>
-                                            <p:attrNameLst>
-                                              <p:attrName>r</p:attrName>
-                                            </p:attrNameLst>
-                                          </p:cBhvr>
-                                        </p:animRot>
-                                      </p:childTnLst>
-                                    </p:cTn>
-                                  </p:par>
-                                  <p:par>
-                                    <p:cTn id="78" presetID="8" presetClass="emph" presetSubtype="0" decel="60000" fill="hold" grpId="2" nodeType="withEffect">
-                                      <p:stCondLst>
-                                        <p:cond delay="950"/>
-                                      </p:stCondLst>
-                                      <p:childTnLst>
-                                        <p:animRot by="6600000">
-                                          <p:cBhvr>
-                                            <p:cTn id="79" dur="350" fill="hold"/>
-                                            <p:tgtEl>
-                                              <p:spTgt spid="8"/>
-                                            </p:tgtEl>
-                                            <p:attrNameLst>
-                                              <p:attrName>r</p:attrName>
-                                            </p:attrNameLst>
-                                          </p:cBhvr>
-                                        </p:animRot>
-                                      </p:childTnLst>
-                                    </p:cTn>
-                                  </p:par>
-                                </p:childTnLst>
-                              </p:cTn>
-                            </p:par>
-                            <p:par>
-                              <p:cTn id="80" fill="hold">
-                                <p:stCondLst>
-                                  <p:cond delay="5750"/>
-                                </p:stCondLst>
-                                <p:childTnLst>
-                                  <p:par>
-                                    <p:cTn id="81" presetID="8" presetClass="emph" presetSubtype="0" decel="60000" fill="hold" grpId="3" nodeType="afterEffect">
-                                      <p:stCondLst>
-                                        <p:cond delay="0"/>
-                                      </p:stCondLst>
-                                      <p:childTnLst>
-                                        <p:animRot by="-6000000">
-                                          <p:cBhvr>
-                                            <p:cTn id="82" dur="350" fill="hold"/>
-                                            <p:tgtEl>
-                                              <p:spTgt spid="8"/>
-                                            </p:tgtEl>
-                                            <p:attrNameLst>
-                                              <p:attrName>r</p:attrName>
-                                            </p:attrNameLst>
-                                          </p:cBhvr>
-                                        </p:animRot>
-                                      </p:childTnLst>
-                                    </p:cTn>
-                                  </p:par>
-                                  <p:par>
-                                    <p:cTn id="83" presetID="42" presetClass="path" presetSubtype="0" accel="50000" decel="50000" fill="hold" grpId="4" nodeType="withEffect">
-                                      <p:stCondLst>
-                                        <p:cond delay="0"/>
-                                      </p:stCondLst>
-                                      <p:childTnLst>
-                                        <p:animMotion origin="layout" path="M 1.94444E-6 4.27746E-6 L 1.94444E-6 0.60277 " pathEditMode="relative" rAng="0" ptsTypes="AA">
-                                          <p:cBhvr>
-                                            <p:cTn id="84" dur="700" fill="hold"/>
-                                            <p:tgtEl>
-                                              <p:spTgt spid="8"/>
-                                            </p:tgtEl>
-                                            <p:attrNameLst>
-                                              <p:attrName>ppt_x</p:attrName>
-                                              <p:attrName>ppt_y</p:attrName>
-                                            </p:attrNameLst>
-                                          </p:cBhvr>
-                                          <p:rCtr x="0" y="30127"/>
-                                        </p:animMotion>
-                                      </p:childTnLst>
-                                    </p:cTn>
-                                  </p:par>
-                                  <p:par>
-                                    <p:cTn id="85" presetID="10" presetClass="exit" presetSubtype="0" fill="hold" grpId="5" nodeType="withEffect">
-                                      <p:stCondLst>
-                                        <p:cond delay="0"/>
-                                      </p:stCondLst>
-                                      <p:childTnLst>
-                                        <p:animEffect transition="out" filter="fade">
-                                          <p:cBhvr>
-                                            <p:cTn id="86" dur="700"/>
-                                            <p:tgtEl>
-                                              <p:spTgt spid="8"/>
-                                            </p:tgtEl>
-                                          </p:cBhvr>
-                                        </p:animEffect>
-                                        <p:set>
-                                          <p:cBhvr>
-                                            <p:cTn id="87" dur="1" fill="hold">
-                                              <p:stCondLst>
-                                                <p:cond delay="699"/>
-                                              </p:stCondLst>
-                                            </p:cTn>
-                                            <p:tgtEl>
-                                              <p:spTgt spid="8"/>
-                                            </p:tgtEl>
-                                            <p:attrNameLst>
-                                              <p:attrName>style.visibility</p:attrName>
-                                            </p:attrNameLst>
-                                          </p:cBhvr>
-                                          <p:to>
-                                            <p:strVal val="hidden"/>
-                                          </p:to>
-                                        </p:set>
-                                      </p:childTnLst>
-                                    </p:cTn>
-                                  </p:par>
-                                  <p:par>
-                                    <p:cTn id="88" presetID="8" presetClass="emph" presetSubtype="0" accel="65333" fill="hold" grpId="0" nodeType="withEffect">
-                                      <p:stCondLst>
-                                        <p:cond delay="0"/>
-                                      </p:stCondLst>
-                                      <p:childTnLst>
-                                        <p:animRot by="14700000">
-                                          <p:cBhvr>
-                                            <p:cTn id="89" dur="650" fill="hold"/>
-                                            <p:tgtEl>
-                                              <p:spTgt spid="6"/>
-                                            </p:tgtEl>
-                                            <p:attrNameLst>
-                                              <p:attrName>r</p:attrName>
-                                            </p:attrNameLst>
-                                          </p:cBhvr>
-                                        </p:animRot>
-                                      </p:childTnLst>
-                                    </p:cTn>
-                                  </p:par>
-                                  <p:par>
-                                    <p:cTn id="90" presetID="8" presetClass="emph" presetSubtype="0" decel="60000" fill="hold" grpId="1" nodeType="withEffect">
-                                      <p:stCondLst>
-                                        <p:cond delay="650"/>
-                                      </p:stCondLst>
-                                      <p:childTnLst>
-                                        <p:animRot by="-7200000">
-                                          <p:cBhvr>
-                                            <p:cTn id="91" dur="350" fill="hold"/>
-                                            <p:tgtEl>
-                                              <p:spTgt spid="6"/>
-                                            </p:tgtEl>
-                                            <p:attrNameLst>
-                                              <p:attrName>r</p:attrName>
-                                            </p:attrNameLst>
-                                          </p:cBhvr>
-                                        </p:animRot>
-                                      </p:childTnLst>
-                                    </p:cTn>
-                                  </p:par>
-                                  <p:par>
-                                    <p:cTn id="92" presetID="8" presetClass="emph" presetSubtype="0" decel="60000" fill="hold" grpId="2" nodeType="withEffect">
-                                      <p:stCondLst>
-                                        <p:cond delay="950"/>
-                                      </p:stCondLst>
-                                      <p:childTnLst>
-                                        <p:animRot by="6600000">
-                                          <p:cBhvr>
-                                            <p:cTn id="93" dur="350" fill="hold"/>
-                                            <p:tgtEl>
-                                              <p:spTgt spid="6"/>
-                                            </p:tgtEl>
-                                            <p:attrNameLst>
-                                              <p:attrName>r</p:attrName>
-                                            </p:attrNameLst>
-                                          </p:cBhvr>
-                                        </p:animRot>
-                                      </p:childTnLst>
-                                    </p:cTn>
-                                  </p:par>
-                                </p:childTnLst>
-                              </p:cTn>
-                            </p:par>
-                            <p:par>
-                              <p:cTn id="94" fill="hold">
-                                <p:stCondLst>
-                                  <p:cond delay="7050"/>
-                                </p:stCondLst>
-                                <p:childTnLst>
-                                  <p:par>
-                                    <p:cTn id="95" presetID="8" presetClass="emph" presetSubtype="0" decel="60000" fill="hold" grpId="3" nodeType="afterEffect">
-                                      <p:stCondLst>
-                                        <p:cond delay="0"/>
-                                      </p:stCondLst>
-                                      <p:childTnLst>
-                                        <p:animRot by="-6000000">
-                                          <p:cBhvr>
-                                            <p:cTn id="96" dur="350" fill="hold"/>
-                                            <p:tgtEl>
-                                              <p:spTgt spid="6"/>
-                                            </p:tgtEl>
-                                            <p:attrNameLst>
-                                              <p:attrName>r</p:attrName>
-                                            </p:attrNameLst>
-                                          </p:cBhvr>
-                                        </p:animRot>
-                                      </p:childTnLst>
-                                    </p:cTn>
-                                  </p:par>
-                                  <p:par>
-                                    <p:cTn id="97" presetID="42" presetClass="path" presetSubtype="0" accel="50000" decel="50000" fill="hold" grpId="4" nodeType="withEffect">
-                                      <p:stCondLst>
-                                        <p:cond delay="0"/>
-                                      </p:stCondLst>
-                                      <p:childTnLst>
-                                        <p:animMotion origin="layout" path="M 1.94444E-6 4.27746E-6 L 1.94444E-6 0.60277 " pathEditMode="relative" rAng="0" ptsTypes="AA">
-                                          <p:cBhvr>
-                                            <p:cTn id="98" dur="700" fill="hold"/>
-                                            <p:tgtEl>
-                                              <p:spTgt spid="6"/>
-                                            </p:tgtEl>
-                                            <p:attrNameLst>
-                                              <p:attrName>ppt_x</p:attrName>
-                                              <p:attrName>ppt_y</p:attrName>
-                                            </p:attrNameLst>
-                                          </p:cBhvr>
-                                          <p:rCtr x="0" y="30127"/>
-                                        </p:animMotion>
-                                      </p:childTnLst>
-                                    </p:cTn>
-                                  </p:par>
-                                  <p:par>
-                                    <p:cTn id="99" presetID="10" presetClass="exit" presetSubtype="0" fill="hold" grpId="5" nodeType="withEffect">
-                                      <p:stCondLst>
-                                        <p:cond delay="0"/>
-                                      </p:stCondLst>
-                                      <p:childTnLst>
-                                        <p:animEffect transition="out" filter="fade">
-                                          <p:cBhvr>
-                                            <p:cTn id="100" dur="700"/>
-                                            <p:tgtEl>
-                                              <p:spTgt spid="6"/>
-                                            </p:tgtEl>
-                                          </p:cBhvr>
-                                        </p:animEffect>
-                                        <p:set>
-                                          <p:cBhvr>
-                                            <p:cTn id="101" dur="1" fill="hold">
-                                              <p:stCondLst>
-                                                <p:cond delay="699"/>
-                                              </p:stCondLst>
-                                            </p:cTn>
-                                            <p:tgtEl>
-                                              <p:spTgt spid="6"/>
-                                            </p:tgtEl>
-                                            <p:attrNameLst>
-                                              <p:attrName>style.visibility</p:attrName>
-                                            </p:attrNameLst>
-                                          </p:cBhvr>
-                                          <p:to>
-                                            <p:strVal val="hidden"/>
-                                          </p:to>
-                                        </p:set>
-                                      </p:childTnLst>
-                                    </p:cTn>
-                                  </p:par>
-                                  <p:par>
-                                    <p:cTn id="102" presetID="8" presetClass="emph" presetSubtype="0" accel="65333" fill="hold" grpId="0" nodeType="withEffect">
-                                      <p:stCondLst>
-                                        <p:cond delay="0"/>
-                                      </p:stCondLst>
-                                      <p:childTnLst>
-                                        <p:animRot by="14700000">
-                                          <p:cBhvr>
-                                            <p:cTn id="103" dur="650" fill="hold"/>
-                                            <p:tgtEl>
-                                              <p:spTgt spid="27"/>
-                                            </p:tgtEl>
-                                            <p:attrNameLst>
-                                              <p:attrName>r</p:attrName>
-                                            </p:attrNameLst>
-                                          </p:cBhvr>
-                                        </p:animRot>
-                                      </p:childTnLst>
-                                    </p:cTn>
-                                  </p:par>
-                                  <p:par>
-                                    <p:cTn id="104" presetID="8" presetClass="emph" presetSubtype="0" decel="60000" fill="hold" grpId="1" nodeType="withEffect">
-                                      <p:stCondLst>
-                                        <p:cond delay="650"/>
-                                      </p:stCondLst>
-                                      <p:childTnLst>
-                                        <p:animRot by="-7200000">
-                                          <p:cBhvr>
-                                            <p:cTn id="105" dur="350" fill="hold"/>
-                                            <p:tgtEl>
-                                              <p:spTgt spid="27"/>
-                                            </p:tgtEl>
-                                            <p:attrNameLst>
-                                              <p:attrName>r</p:attrName>
-                                            </p:attrNameLst>
-                                          </p:cBhvr>
-                                        </p:animRot>
-                                      </p:childTnLst>
-                                    </p:cTn>
-                                  </p:par>
-                                  <p:par>
-                                    <p:cTn id="106" presetID="8" presetClass="emph" presetSubtype="0" decel="60000" fill="hold" grpId="2" nodeType="withEffect">
-                                      <p:stCondLst>
-                                        <p:cond delay="950"/>
-                                      </p:stCondLst>
-                                      <p:childTnLst>
-                                        <p:animRot by="6600000">
-                                          <p:cBhvr>
-                                            <p:cTn id="107" dur="350" fill="hold"/>
-                                            <p:tgtEl>
-                                              <p:spTgt spid="27"/>
-                                            </p:tgtEl>
-                                            <p:attrNameLst>
-                                              <p:attrName>r</p:attrName>
-                                            </p:attrNameLst>
-                                          </p:cBhvr>
-                                        </p:animRot>
-                                      </p:childTnLst>
-                                    </p:cTn>
-                                  </p:par>
-                                </p:childTnLst>
-                              </p:cTn>
-                            </p:par>
-                            <p:par>
-                              <p:cTn id="108" fill="hold">
-                                <p:stCondLst>
-                                  <p:cond delay="8350"/>
-                                </p:stCondLst>
-                                <p:childTnLst>
-                                  <p:par>
-                                    <p:cTn id="109" presetID="8" presetClass="emph" presetSubtype="0" decel="60000" fill="hold" grpId="3" nodeType="afterEffect">
-                                      <p:stCondLst>
-                                        <p:cond delay="0"/>
-                                      </p:stCondLst>
-                                      <p:childTnLst>
-                                        <p:animRot by="-6000000">
-                                          <p:cBhvr>
-                                            <p:cTn id="110" dur="350" fill="hold"/>
-                                            <p:tgtEl>
-                                              <p:spTgt spid="27"/>
-                                            </p:tgtEl>
-                                            <p:attrNameLst>
-                                              <p:attrName>r</p:attrName>
-                                            </p:attrNameLst>
-                                          </p:cBhvr>
-                                        </p:animRot>
-                                      </p:childTnLst>
-                                    </p:cTn>
-                                  </p:par>
-                                  <p:par>
-                                    <p:cTn id="111" presetID="42" presetClass="path" presetSubtype="0" accel="50000" decel="50000" fill="hold" grpId="4" nodeType="withEffect">
-                                      <p:stCondLst>
-                                        <p:cond delay="0"/>
-                                      </p:stCondLst>
-                                      <p:childTnLst>
-                                        <p:animMotion origin="layout" path="M 1.94444E-6 4.27746E-6 L 1.94444E-6 0.60277 " pathEditMode="relative" rAng="0" ptsTypes="AA">
-                                          <p:cBhvr>
-                                            <p:cTn id="112" dur="700" fill="hold"/>
-                                            <p:tgtEl>
-                                              <p:spTgt spid="27"/>
-                                            </p:tgtEl>
-                                            <p:attrNameLst>
-                                              <p:attrName>ppt_x</p:attrName>
-                                              <p:attrName>ppt_y</p:attrName>
-                                            </p:attrNameLst>
-                                          </p:cBhvr>
-                                          <p:rCtr x="0" y="30127"/>
-                                        </p:animMotion>
-                                      </p:childTnLst>
-                                    </p:cTn>
-                                  </p:par>
-                                  <p:par>
-                                    <p:cTn id="113" presetID="10" presetClass="exit" presetSubtype="0" fill="hold" grpId="5" nodeType="withEffect">
-                                      <p:stCondLst>
-                                        <p:cond delay="0"/>
-                                      </p:stCondLst>
-                                      <p:childTnLst>
-                                        <p:animEffect transition="out" filter="fade">
-                                          <p:cBhvr>
-                                            <p:cTn id="114" dur="700"/>
-                                            <p:tgtEl>
-                                              <p:spTgt spid="27"/>
-                                            </p:tgtEl>
-                                          </p:cBhvr>
-                                        </p:animEffect>
-                                        <p:set>
-                                          <p:cBhvr>
-                                            <p:cTn id="115" dur="1" fill="hold">
-                                              <p:stCondLst>
-                                                <p:cond delay="699"/>
-                                              </p:stCondLst>
-                                            </p:cTn>
-                                            <p:tgtEl>
-                                              <p:spTgt spid="27"/>
-                                            </p:tgtEl>
-                                            <p:attrNameLst>
-                                              <p:attrName>style.visibility</p:attrName>
-                                            </p:attrNameLst>
-                                          </p:cBhvr>
-                                          <p:to>
-                                            <p:strVal val="hidden"/>
-                                          </p:to>
-                                        </p:set>
-                                      </p:childTnLst>
-                                    </p:cTn>
-                                  </p:par>
-                                </p:childTnLst>
-                              </p:cTn>
-                            </p:par>
-                            <p:par>
-                              <p:cTn id="116" fill="hold">
-                                <p:stCondLst>
-                                  <p:cond delay="9050"/>
-                                </p:stCondLst>
-                                <p:childTnLst>
-                                  <p:par>
-                                    <p:cTn id="117" presetID="8" presetClass="emph" presetSubtype="0" fill="hold" grpId="0" nodeType="afterEffect">
-                                      <p:stCondLst>
-                                        <p:cond delay="0"/>
-                                      </p:stCondLst>
-                                      <p:childTnLst>
-                                        <p:animRot by="-900000">
-                                          <p:cBhvr>
-                                            <p:cTn id="118" dur="350" fill="hold"/>
-                                            <p:tgtEl>
-                                              <p:spTgt spid="18"/>
-                                            </p:tgtEl>
-                                            <p:attrNameLst>
-                                              <p:attrName>r</p:attrName>
-                                            </p:attrNameLst>
-                                          </p:cBhvr>
-                                        </p:animRot>
-                                      </p:childTnLst>
-                                    </p:cTn>
-                                  </p:par>
-                                  <p:par>
-                                    <p:cTn id="119" presetID="42" presetClass="path" presetSubtype="0" accel="50000" fill="hold" grpId="2" nodeType="withEffect" p14:presetBounceEnd="68000">
-                                      <p:stCondLst>
-                                        <p:cond delay="100"/>
-                                      </p:stCondLst>
-                                      <p:childTnLst>
-                                        <p:animMotion origin="layout" path="M 0 2.22222E-6 L 0 0.36305 " pathEditMode="relative" rAng="0" ptsTypes="AA" p14:bounceEnd="68000">
-                                          <p:cBhvr>
-                                            <p:cTn id="120" dur="500" fill="hold"/>
-                                            <p:tgtEl>
-                                              <p:spTgt spid="18"/>
-                                            </p:tgtEl>
-                                            <p:attrNameLst>
-                                              <p:attrName>ppt_x</p:attrName>
-                                              <p:attrName>ppt_y</p:attrName>
-                                            </p:attrNameLst>
-                                          </p:cBhvr>
-                                          <p:rCtr x="0" y="18139"/>
-                                        </p:animMotion>
-                                      </p:childTnLst>
-                                    </p:cTn>
-                                  </p:par>
-                                  <p:par>
-                                    <p:cTn id="121" presetID="8" presetClass="emph" presetSubtype="0" fill="hold" grpId="1" nodeType="withEffect" p14:presetBounceEnd="100000">
-                                      <p:stCondLst>
-                                        <p:cond delay="300"/>
-                                      </p:stCondLst>
-                                      <p:childTnLst>
-                                        <p:animRot by="900000" p14:bounceEnd="100000">
-                                          <p:cBhvr>
-                                            <p:cTn id="122" dur="300" fill="hold"/>
-                                            <p:tgtEl>
-                                              <p:spTgt spid="18"/>
-                                            </p:tgtEl>
-                                            <p:attrNameLst>
-                                              <p:attrName>r</p:attrName>
-                                            </p:attrNameLst>
-                                          </p:cBhvr>
-                                        </p:animRot>
-                                      </p:childTnLst>
-                                    </p:cTn>
-                                  </p:par>
-                                </p:childTnLst>
-                              </p:cTn>
-                            </p:par>
-                          </p:childTnLst>
-                        </p:cTn>
-                      </p:par>
-                      <p:par>
-                        <p:cTn id="123" fill="hold">
-                          <p:stCondLst>
-                            <p:cond delay="indefinite"/>
-                          </p:stCondLst>
-                          <p:childTnLst>
-                            <p:par>
-                              <p:cTn id="124" fill="hold">
-                                <p:stCondLst>
-                                  <p:cond delay="0"/>
-                                </p:stCondLst>
-                                <p:childTnLst>
-                                  <p:par>
-                                    <p:cTn id="125" presetID="42" presetClass="path" presetSubtype="0" accel="50000" decel="50000" fill="hold" grpId="3" nodeType="clickEffect">
-                                      <p:stCondLst>
-                                        <p:cond delay="0"/>
-                                      </p:stCondLst>
-                                      <p:childTnLst>
-                                        <p:animMotion origin="layout" path="M -0.07066 0.3599 L 0.30764 0.35823 " pathEditMode="relative" rAng="0" ptsTypes="AA">
-                                          <p:cBhvr>
-                                            <p:cTn id="126" dur="1000" fill="hold"/>
-                                            <p:tgtEl>
-                                              <p:spTgt spid="18"/>
-                                            </p:tgtEl>
-                                            <p:attrNameLst>
-                                              <p:attrName>ppt_x</p:attrName>
-                                              <p:attrName>ppt_y</p:attrName>
-                                            </p:attrNameLst>
-                                          </p:cBhvr>
-                                          <p:rCtr x="18906" y="-83"/>
-                                        </p:animMotion>
-                                      </p:childTnLst>
-                                    </p:cTn>
-                                  </p:par>
-                                </p:childTnLst>
-                              </p:cTn>
-                            </p:par>
-                          </p:childTnLst>
-                        </p:cTn>
-                      </p:par>
-                    </p:childTnLst>
-                  </p:cTn>
-                  <p:prevCondLst>
-                    <p:cond evt="onPrev" delay="0">
-                      <p:tgtEl>
-                        <p:sldTgt/>
-                      </p:tgtEl>
-                    </p:cond>
-                  </p:prevCondLst>
-                  <p:nextCondLst>
-                    <p:cond evt="onNext" delay="0">
-                      <p:tgtEl>
-                        <p:sldTgt/>
-                      </p:tgtEl>
-                    </p:cond>
-                  </p:nextCondLst>
-                </p:seq>
-              </p:childTnLst>
-            </p:cTn>
-          </p:par>
-        </p:tnLst>
-        <p:bldLst>
-          <p:bldP spid="17" grpId="0"/>
-          <p:bldP spid="17" grpId="1"/>
-          <p:bldP spid="17" grpId="2"/>
-          <p:bldP spid="17" grpId="3"/>
-          <p:bldP spid="17" grpId="4"/>
-          <p:bldP spid="17" grpId="5"/>
-          <p:bldP spid="18" grpId="0"/>
-          <p:bldP spid="18" grpId="1"/>
-          <p:bldP spid="18" grpId="2"/>
-          <p:bldP spid="18" grpId="3"/>
-          <p:bldP spid="6" grpId="0"/>
-          <p:bldP spid="6" grpId="1"/>
-          <p:bldP spid="6" grpId="2"/>
-          <p:bldP spid="6" grpId="3"/>
-          <p:bldP spid="6" grpId="4"/>
-          <p:bldP spid="6" grpId="5"/>
-          <p:bldP spid="8" grpId="0"/>
-          <p:bldP spid="8" grpId="1"/>
-          <p:bldP spid="8" grpId="2"/>
-          <p:bldP spid="8" grpId="3"/>
-          <p:bldP spid="8" grpId="4"/>
-          <p:bldP spid="8" grpId="5"/>
-          <p:bldP spid="10" grpId="0"/>
-          <p:bldP spid="10" grpId="1"/>
-          <p:bldP spid="10" grpId="2"/>
-          <p:bldP spid="10" grpId="3"/>
-          <p:bldP spid="10" grpId="4"/>
-          <p:bldP spid="10" grpId="5"/>
-          <p:bldP spid="12" grpId="0"/>
-          <p:bldP spid="12" grpId="1"/>
-          <p:bldP spid="12" grpId="2"/>
-          <p:bldP spid="12" grpId="3"/>
-          <p:bldP spid="12" grpId="4"/>
-          <p:bldP spid="12" grpId="5"/>
-          <p:bldP spid="14" grpId="0"/>
-          <p:bldP spid="14" grpId="1"/>
-          <p:bldP spid="14" grpId="2"/>
-          <p:bldP spid="14" grpId="3"/>
-          <p:bldP spid="14" grpId="4"/>
-          <p:bldP spid="14" grpId="5"/>
-          <p:bldP spid="16" grpId="0"/>
-          <p:bldP spid="16" grpId="1"/>
-          <p:bldP spid="16" grpId="2"/>
-          <p:bldP spid="16" grpId="3"/>
-          <p:bldP spid="16" grpId="4"/>
-          <p:bldP spid="16" grpId="5"/>
-          <p:bldP spid="27" grpId="0"/>
-          <p:bldP spid="27" grpId="1"/>
-          <p:bldP spid="27" grpId="2"/>
-          <p:bldP spid="27" grpId="3"/>
-          <p:bldP spid="27" grpId="4"/>
-          <p:bldP spid="27" grpId="5"/>
-        </p:bldLst>
-      </p:timing>
-    </mc:Choice>
-    <mc:Fallback>
-      <p:timing>
-        <p:tnLst>
-          <p:par>
-            <p:cTn id="1" dur="indefinite" restart="never" nodeType="tmRoot">
-              <p:childTnLst>
-                <p:seq concurrent="1" nextAc="seek">
-                  <p:cTn id="2" dur="indefinite" nodeType="mainSeq">
-                    <p:childTnLst>
-                      <p:par>
-                        <p:cTn id="3" fill="hold">
-                          <p:stCondLst>
-                            <p:cond delay="indefinite"/>
-                          </p:stCondLst>
-                          <p:childTnLst>
-                            <p:par>
-                              <p:cTn id="4" fill="hold">
-                                <p:stCondLst>
-                                  <p:cond delay="0"/>
-                                </p:stCondLst>
-                                <p:childTnLst>
-                                  <p:par>
-                                    <p:cTn id="5" presetID="8" presetClass="emph" presetSubtype="0" accel="65333" fill="hold" grpId="0" nodeType="clickEffect">
-                                      <p:stCondLst>
-                                        <p:cond delay="0"/>
-                                      </p:stCondLst>
-                                      <p:childTnLst>
-                                        <p:animRot by="-14700000">
-                                          <p:cBhvr>
-                                            <p:cTn id="6" dur="550" fill="hold"/>
-                                            <p:tgtEl>
-                                              <p:spTgt spid="17"/>
-                                            </p:tgtEl>
-                                            <p:attrNameLst>
-                                              <p:attrName>r</p:attrName>
-                                            </p:attrNameLst>
-                                          </p:cBhvr>
-                                        </p:animRot>
-                                      </p:childTnLst>
-                                    </p:cTn>
-                                  </p:par>
-                                </p:childTnLst>
-                              </p:cTn>
-                            </p:par>
-                            <p:par>
-                              <p:cTn id="7" fill="hold">
-                                <p:stCondLst>
-                                  <p:cond delay="550"/>
-                                </p:stCondLst>
-                                <p:childTnLst>
-                                  <p:par>
-                                    <p:cTn id="8" presetID="8" presetClass="emph" presetSubtype="0" decel="60000" fill="hold" grpId="1" nodeType="afterEffect">
-                                      <p:stCondLst>
-                                        <p:cond delay="0"/>
-                                      </p:stCondLst>
-                                      <p:childTnLst>
-                                        <p:animRot by="7200000">
-                                          <p:cBhvr>
-                                            <p:cTn id="9" dur="350" fill="hold"/>
-                                            <p:tgtEl>
-                                              <p:spTgt spid="17"/>
-                                            </p:tgtEl>
-                                            <p:attrNameLst>
-                                              <p:attrName>r</p:attrName>
-                                            </p:attrNameLst>
-                                          </p:cBhvr>
-                                        </p:animRot>
-                                      </p:childTnLst>
-                                    </p:cTn>
-                                  </p:par>
-                                  <p:par>
-                                    <p:cTn id="10" presetID="8" presetClass="emph" presetSubtype="0" decel="60000" fill="hold" grpId="2" nodeType="withEffect">
-                                      <p:stCondLst>
-                                        <p:cond delay="350"/>
-                                      </p:stCondLst>
-                                      <p:childTnLst>
-                                        <p:animRot by="-6600000">
-                                          <p:cBhvr>
-                                            <p:cTn id="11" dur="350" fill="hold"/>
-                                            <p:tgtEl>
-                                              <p:spTgt spid="17"/>
-                                            </p:tgtEl>
-                                            <p:attrNameLst>
-                                              <p:attrName>r</p:attrName>
-                                            </p:attrNameLst>
-                                          </p:cBhvr>
-                                        </p:animRot>
-                                      </p:childTnLst>
-                                    </p:cTn>
-                                  </p:par>
-                                  <p:par>
-                                    <p:cTn id="12" presetID="8" presetClass="emph" presetSubtype="0" decel="60000" fill="hold" grpId="3" nodeType="withEffect">
-                                      <p:stCondLst>
-                                        <p:cond delay="650"/>
-                                      </p:stCondLst>
-                                      <p:childTnLst>
-                                        <p:animRot by="6000000">
-                                          <p:cBhvr>
-                                            <p:cTn id="13" dur="350" fill="hold"/>
-                                            <p:tgtEl>
-                                              <p:spTgt spid="17"/>
-                                            </p:tgtEl>
-                                            <p:attrNameLst>
-                                              <p:attrName>r</p:attrName>
-                                            </p:attrNameLst>
-                                          </p:cBhvr>
-                                        </p:animRot>
-                                      </p:childTnLst>
-                                    </p:cTn>
-                                  </p:par>
-                                  <p:par>
-                                    <p:cTn id="14" presetID="42" presetClass="path" presetSubtype="0" accel="50000" decel="50000" fill="hold" grpId="4" nodeType="withEffect">
-                                      <p:stCondLst>
-                                        <p:cond delay="700"/>
-                                      </p:stCondLst>
-                                      <p:childTnLst>
-                                        <p:animMotion origin="layout" path="M 1.94444E-6 4.27746E-6 L 1.94444E-6 0.60277 " pathEditMode="relative" rAng="0" ptsTypes="AA">
-                                          <p:cBhvr>
-                                            <p:cTn id="15" dur="550" fill="hold"/>
-                                            <p:tgtEl>
-                                              <p:spTgt spid="17"/>
-                                            </p:tgtEl>
-                                            <p:attrNameLst>
-                                              <p:attrName>ppt_x</p:attrName>
-                                              <p:attrName>ppt_y</p:attrName>
-                                            </p:attrNameLst>
-                                          </p:cBhvr>
-                                          <p:rCtr x="0" y="30127"/>
-                                        </p:animMotion>
-                                      </p:childTnLst>
-                                    </p:cTn>
-                                  </p:par>
-                                  <p:par>
-                                    <p:cTn id="16" presetID="10" presetClass="exit" presetSubtype="0" fill="hold" grpId="5" nodeType="withEffect">
-                                      <p:stCondLst>
-                                        <p:cond delay="700"/>
-                                      </p:stCondLst>
-                                      <p:childTnLst>
-                                        <p:animEffect transition="out" filter="fade">
-                                          <p:cBhvr>
-                                            <p:cTn id="17" dur="550"/>
-                                            <p:tgtEl>
-                                              <p:spTgt spid="17"/>
-                                            </p:tgtEl>
-                                          </p:cBhvr>
-                                        </p:animEffect>
-                                        <p:set>
-                                          <p:cBhvr>
-                                            <p:cTn id="18" dur="1" fill="hold">
-                                              <p:stCondLst>
-                                                <p:cond delay="549"/>
-                                              </p:stCondLst>
-                                            </p:cTn>
-                                            <p:tgtEl>
-                                              <p:spTgt spid="17"/>
-                                            </p:tgtEl>
-                                            <p:attrNameLst>
-                                              <p:attrName>style.visibility</p:attrName>
-                                            </p:attrNameLst>
-                                          </p:cBhvr>
-                                          <p:to>
-                                            <p:strVal val="hidden"/>
-                                          </p:to>
-                                        </p:set>
-                                      </p:childTnLst>
-                                    </p:cTn>
-                                  </p:par>
-                                  <p:par>
-                                    <p:cTn id="19" presetID="8" presetClass="emph" presetSubtype="0" accel="65333" fill="hold" grpId="0" nodeType="withEffect">
-                                      <p:stCondLst>
-                                        <p:cond delay="50"/>
-                                      </p:stCondLst>
-                                      <p:childTnLst>
-                                        <p:animRot by="14700000">
-                                          <p:cBhvr>
-                                            <p:cTn id="20" dur="650" fill="hold"/>
-                                            <p:tgtEl>
-                                              <p:spTgt spid="12"/>
-                                            </p:tgtEl>
-                                            <p:attrNameLst>
-                                              <p:attrName>r</p:attrName>
-                                            </p:attrNameLst>
-                                          </p:cBhvr>
-                                        </p:animRot>
-                                      </p:childTnLst>
-                                    </p:cTn>
-                                  </p:par>
-                                  <p:par>
-                                    <p:cTn id="21" presetID="8" presetClass="emph" presetSubtype="0" decel="60000" fill="hold" grpId="1" nodeType="withEffect">
-                                      <p:stCondLst>
-                                        <p:cond delay="650"/>
-                                      </p:stCondLst>
-                                      <p:childTnLst>
-                                        <p:animRot by="-7200000">
-                                          <p:cBhvr>
-                                            <p:cTn id="22" dur="350" fill="hold"/>
-                                            <p:tgtEl>
-                                              <p:spTgt spid="12"/>
-                                            </p:tgtEl>
-                                            <p:attrNameLst>
-                                              <p:attrName>r</p:attrName>
-                                            </p:attrNameLst>
-                                          </p:cBhvr>
-                                        </p:animRot>
-                                      </p:childTnLst>
-                                    </p:cTn>
-                                  </p:par>
-                                  <p:par>
-                                    <p:cTn id="23" presetID="8" presetClass="emph" presetSubtype="0" decel="60000" fill="hold" grpId="2" nodeType="withEffect">
-                                      <p:stCondLst>
-                                        <p:cond delay="950"/>
-                                      </p:stCondLst>
-                                      <p:childTnLst>
-                                        <p:animRot by="6600000">
-                                          <p:cBhvr>
-                                            <p:cTn id="24" dur="350" fill="hold"/>
-                                            <p:tgtEl>
-                                              <p:spTgt spid="12"/>
-                                            </p:tgtEl>
-                                            <p:attrNameLst>
-                                              <p:attrName>r</p:attrName>
-                                            </p:attrNameLst>
-                                          </p:cBhvr>
-                                        </p:animRot>
-                                      </p:childTnLst>
-                                    </p:cTn>
-                                  </p:par>
-                                </p:childTnLst>
-                              </p:cTn>
-                            </p:par>
-                            <p:par>
-                              <p:cTn id="25" fill="hold">
-                                <p:stCondLst>
-                                  <p:cond delay="1850"/>
-                                </p:stCondLst>
-                                <p:childTnLst>
-                                  <p:par>
-                                    <p:cTn id="26" presetID="8" presetClass="emph" presetSubtype="0" decel="60000" fill="hold" grpId="3" nodeType="afterEffect">
-                                      <p:stCondLst>
-                                        <p:cond delay="0"/>
-                                      </p:stCondLst>
-                                      <p:childTnLst>
-                                        <p:animRot by="-6000000">
-                                          <p:cBhvr>
-                                            <p:cTn id="27" dur="350" fill="hold"/>
-                                            <p:tgtEl>
-                                              <p:spTgt spid="12"/>
-                                            </p:tgtEl>
-                                            <p:attrNameLst>
-                                              <p:attrName>r</p:attrName>
-                                            </p:attrNameLst>
-                                          </p:cBhvr>
-                                        </p:animRot>
-                                      </p:childTnLst>
-                                    </p:cTn>
-                                  </p:par>
-                                  <p:par>
-                                    <p:cTn id="28" presetID="42" presetClass="path" presetSubtype="0" accel="50000" decel="50000" fill="hold" grpId="4" nodeType="withEffect">
-                                      <p:stCondLst>
-                                        <p:cond delay="0"/>
-                                      </p:stCondLst>
-                                      <p:childTnLst>
-                                        <p:animMotion origin="layout" path="M 1.94444E-6 4.27746E-6 L 1.94444E-6 0.60277 " pathEditMode="relative" rAng="0" ptsTypes="AA">
-                                          <p:cBhvr>
-                                            <p:cTn id="29" dur="700" fill="hold"/>
-                                            <p:tgtEl>
-                                              <p:spTgt spid="12"/>
-                                            </p:tgtEl>
-                                            <p:attrNameLst>
-                                              <p:attrName>ppt_x</p:attrName>
-                                              <p:attrName>ppt_y</p:attrName>
-                                            </p:attrNameLst>
-                                          </p:cBhvr>
-                                          <p:rCtr x="0" y="30127"/>
-                                        </p:animMotion>
-                                      </p:childTnLst>
-                                    </p:cTn>
-                                  </p:par>
-                                  <p:par>
-                                    <p:cTn id="30" presetID="10" presetClass="exit" presetSubtype="0" fill="hold" grpId="5" nodeType="withEffect">
-                                      <p:stCondLst>
-                                        <p:cond delay="0"/>
-                                      </p:stCondLst>
-                                      <p:childTnLst>
-                                        <p:animEffect transition="out" filter="fade">
-                                          <p:cBhvr>
-                                            <p:cTn id="31" dur="700"/>
-                                            <p:tgtEl>
-                                              <p:spTgt spid="12"/>
-                                            </p:tgtEl>
-                                          </p:cBhvr>
-                                        </p:animEffect>
-                                        <p:set>
-                                          <p:cBhvr>
-                                            <p:cTn id="32" dur="1" fill="hold">
-                                              <p:stCondLst>
-                                                <p:cond delay="699"/>
-                                              </p:stCondLst>
-                                            </p:cTn>
-                                            <p:tgtEl>
-                                              <p:spTgt spid="12"/>
-                                            </p:tgtEl>
-                                            <p:attrNameLst>
-                                              <p:attrName>style.visibility</p:attrName>
-                                            </p:attrNameLst>
-                                          </p:cBhvr>
-                                          <p:to>
-                                            <p:strVal val="hidden"/>
-                                          </p:to>
-                                        </p:set>
-                                      </p:childTnLst>
-                                    </p:cTn>
-                                  </p:par>
-                                  <p:par>
-                                    <p:cTn id="33" presetID="8" presetClass="emph" presetSubtype="0" accel="65333" fill="hold" grpId="0" nodeType="withEffect">
-                                      <p:stCondLst>
-                                        <p:cond delay="0"/>
-                                      </p:stCondLst>
-                                      <p:childTnLst>
-                                        <p:animRot by="14700000">
-                                          <p:cBhvr>
-                                            <p:cTn id="34" dur="650" fill="hold"/>
-                                            <p:tgtEl>
-                                              <p:spTgt spid="16"/>
-                                            </p:tgtEl>
-                                            <p:attrNameLst>
-                                              <p:attrName>r</p:attrName>
-                                            </p:attrNameLst>
-                                          </p:cBhvr>
-                                        </p:animRot>
-                                      </p:childTnLst>
-                                    </p:cTn>
-                                  </p:par>
-                                  <p:par>
-                                    <p:cTn id="35" presetID="8" presetClass="emph" presetSubtype="0" decel="60000" fill="hold" grpId="1" nodeType="withEffect">
-                                      <p:stCondLst>
-                                        <p:cond delay="650"/>
-                                      </p:stCondLst>
-                                      <p:childTnLst>
-                                        <p:animRot by="-7200000">
-                                          <p:cBhvr>
-                                            <p:cTn id="36" dur="350" fill="hold"/>
-                                            <p:tgtEl>
-                                              <p:spTgt spid="16"/>
-                                            </p:tgtEl>
-                                            <p:attrNameLst>
-                                              <p:attrName>r</p:attrName>
-                                            </p:attrNameLst>
-                                          </p:cBhvr>
-                                        </p:animRot>
-                                      </p:childTnLst>
-                                    </p:cTn>
-                                  </p:par>
-                                  <p:par>
-                                    <p:cTn id="37" presetID="8" presetClass="emph" presetSubtype="0" decel="60000" fill="hold" grpId="2" nodeType="withEffect">
-                                      <p:stCondLst>
-                                        <p:cond delay="950"/>
-                                      </p:stCondLst>
-                                      <p:childTnLst>
-                                        <p:animRot by="6600000">
-                                          <p:cBhvr>
-                                            <p:cTn id="38" dur="350" fill="hold"/>
-                                            <p:tgtEl>
-                                              <p:spTgt spid="16"/>
-                                            </p:tgtEl>
-                                            <p:attrNameLst>
-                                              <p:attrName>r</p:attrName>
-                                            </p:attrNameLst>
-                                          </p:cBhvr>
-                                        </p:animRot>
-                                      </p:childTnLst>
-                                    </p:cTn>
-                                  </p:par>
-                                </p:childTnLst>
-                              </p:cTn>
-                            </p:par>
-                            <p:par>
-                              <p:cTn id="39" fill="hold">
-                                <p:stCondLst>
-                                  <p:cond delay="3150"/>
-                                </p:stCondLst>
-                                <p:childTnLst>
-                                  <p:par>
-                                    <p:cTn id="40" presetID="8" presetClass="emph" presetSubtype="0" decel="60000" fill="hold" grpId="3" nodeType="afterEffect">
-                                      <p:stCondLst>
-                                        <p:cond delay="0"/>
-                                      </p:stCondLst>
-                                      <p:childTnLst>
-                                        <p:animRot by="-6000000">
-                                          <p:cBhvr>
-                                            <p:cTn id="41" dur="350" fill="hold"/>
-                                            <p:tgtEl>
-                                              <p:spTgt spid="16"/>
-                                            </p:tgtEl>
-                                            <p:attrNameLst>
-                                              <p:attrName>r</p:attrName>
-                                            </p:attrNameLst>
-                                          </p:cBhvr>
-                                        </p:animRot>
-                                      </p:childTnLst>
-                                    </p:cTn>
-                                  </p:par>
-                                  <p:par>
-                                    <p:cTn id="42" presetID="42" presetClass="path" presetSubtype="0" accel="50000" decel="50000" fill="hold" grpId="4" nodeType="withEffect">
-                                      <p:stCondLst>
-                                        <p:cond delay="0"/>
-                                      </p:stCondLst>
-                                      <p:childTnLst>
-                                        <p:animMotion origin="layout" path="M 1.94444E-6 4.27746E-6 L 1.94444E-6 0.60277 " pathEditMode="relative" rAng="0" ptsTypes="AA">
-                                          <p:cBhvr>
-                                            <p:cTn id="43" dur="700" fill="hold"/>
-                                            <p:tgtEl>
-                                              <p:spTgt spid="16"/>
-                                            </p:tgtEl>
-                                            <p:attrNameLst>
-                                              <p:attrName>ppt_x</p:attrName>
-                                              <p:attrName>ppt_y</p:attrName>
-                                            </p:attrNameLst>
-                                          </p:cBhvr>
-                                          <p:rCtr x="0" y="30127"/>
-                                        </p:animMotion>
-                                      </p:childTnLst>
-                                    </p:cTn>
-                                  </p:par>
-                                  <p:par>
-                                    <p:cTn id="44" presetID="10" presetClass="exit" presetSubtype="0" fill="hold" grpId="5" nodeType="withEffect">
-                                      <p:stCondLst>
-                                        <p:cond delay="0"/>
-                                      </p:stCondLst>
-                                      <p:childTnLst>
-                                        <p:animEffect transition="out" filter="fade">
-                                          <p:cBhvr>
-                                            <p:cTn id="45" dur="700"/>
-                                            <p:tgtEl>
-                                              <p:spTgt spid="16"/>
-                                            </p:tgtEl>
-                                          </p:cBhvr>
-                                        </p:animEffect>
-                                        <p:set>
-                                          <p:cBhvr>
-                                            <p:cTn id="46" dur="1" fill="hold">
-                                              <p:stCondLst>
-                                                <p:cond delay="699"/>
-                                              </p:stCondLst>
-                                            </p:cTn>
-                                            <p:tgtEl>
-                                              <p:spTgt spid="16"/>
-                                            </p:tgtEl>
-                                            <p:attrNameLst>
-                                              <p:attrName>style.visibility</p:attrName>
-                                            </p:attrNameLst>
-                                          </p:cBhvr>
-                                          <p:to>
-                                            <p:strVal val="hidden"/>
-                                          </p:to>
-                                        </p:set>
-                                      </p:childTnLst>
-                                    </p:cTn>
-                                  </p:par>
-                                  <p:par>
-                                    <p:cTn id="47" presetID="8" presetClass="emph" presetSubtype="0" accel="65333" fill="hold" grpId="0" nodeType="withEffect">
-                                      <p:stCondLst>
-                                        <p:cond delay="0"/>
-                                      </p:stCondLst>
-                                      <p:childTnLst>
-                                        <p:animRot by="14700000">
-                                          <p:cBhvr>
-                                            <p:cTn id="48" dur="650" fill="hold"/>
-                                            <p:tgtEl>
-                                              <p:spTgt spid="14"/>
-                                            </p:tgtEl>
-                                            <p:attrNameLst>
-                                              <p:attrName>r</p:attrName>
-                                            </p:attrNameLst>
-                                          </p:cBhvr>
-                                        </p:animRot>
-                                      </p:childTnLst>
-                                    </p:cTn>
-                                  </p:par>
-                                  <p:par>
-                                    <p:cTn id="49" presetID="8" presetClass="emph" presetSubtype="0" decel="60000" fill="hold" grpId="1" nodeType="withEffect">
-                                      <p:stCondLst>
-                                        <p:cond delay="650"/>
-                                      </p:stCondLst>
-                                      <p:childTnLst>
-                                        <p:animRot by="-7200000">
-                                          <p:cBhvr>
-                                            <p:cTn id="50" dur="350" fill="hold"/>
-                                            <p:tgtEl>
-                                              <p:spTgt spid="14"/>
-                                            </p:tgtEl>
-                                            <p:attrNameLst>
-                                              <p:attrName>r</p:attrName>
-                                            </p:attrNameLst>
-                                          </p:cBhvr>
-                                        </p:animRot>
-                                      </p:childTnLst>
-                                    </p:cTn>
-                                  </p:par>
-                                  <p:par>
-                                    <p:cTn id="51" presetID="8" presetClass="emph" presetSubtype="0" decel="60000" fill="hold" grpId="2" nodeType="withEffect">
-                                      <p:stCondLst>
-                                        <p:cond delay="950"/>
-                                      </p:stCondLst>
-                                      <p:childTnLst>
-                                        <p:animRot by="6600000">
-                                          <p:cBhvr>
-                                            <p:cTn id="52" dur="350" fill="hold"/>
-                                            <p:tgtEl>
-                                              <p:spTgt spid="14"/>
-                                            </p:tgtEl>
-                                            <p:attrNameLst>
-                                              <p:attrName>r</p:attrName>
-                                            </p:attrNameLst>
-                                          </p:cBhvr>
-                                        </p:animRot>
-                                      </p:childTnLst>
-                                    </p:cTn>
-                                  </p:par>
-                                </p:childTnLst>
-                              </p:cTn>
-                            </p:par>
-                            <p:par>
-                              <p:cTn id="53" fill="hold">
-                                <p:stCondLst>
-                                  <p:cond delay="4450"/>
-                                </p:stCondLst>
-                                <p:childTnLst>
-                                  <p:par>
-                                    <p:cTn id="54" presetID="8" presetClass="emph" presetSubtype="0" decel="60000" fill="hold" grpId="3" nodeType="afterEffect">
-                                      <p:stCondLst>
-                                        <p:cond delay="0"/>
-                                      </p:stCondLst>
-                                      <p:childTnLst>
-                                        <p:animRot by="-6000000">
-                                          <p:cBhvr>
-                                            <p:cTn id="55" dur="350" fill="hold"/>
-                                            <p:tgtEl>
-                                              <p:spTgt spid="14"/>
-                                            </p:tgtEl>
-                                            <p:attrNameLst>
-                                              <p:attrName>r</p:attrName>
-                                            </p:attrNameLst>
-                                          </p:cBhvr>
-                                        </p:animRot>
-                                      </p:childTnLst>
-                                    </p:cTn>
-                                  </p:par>
-                                  <p:par>
-                                    <p:cTn id="56" presetID="42" presetClass="path" presetSubtype="0" accel="50000" decel="50000" fill="hold" grpId="4" nodeType="withEffect">
-                                      <p:stCondLst>
-                                        <p:cond delay="0"/>
-                                      </p:stCondLst>
-                                      <p:childTnLst>
-                                        <p:animMotion origin="layout" path="M 1.94444E-6 4.27746E-6 L 1.94444E-6 0.60277 " pathEditMode="relative" rAng="0" ptsTypes="AA">
-                                          <p:cBhvr>
-                                            <p:cTn id="57" dur="700" fill="hold"/>
-                                            <p:tgtEl>
-                                              <p:spTgt spid="14"/>
-                                            </p:tgtEl>
-                                            <p:attrNameLst>
-                                              <p:attrName>ppt_x</p:attrName>
-                                              <p:attrName>ppt_y</p:attrName>
-                                            </p:attrNameLst>
-                                          </p:cBhvr>
-                                          <p:rCtr x="0" y="30127"/>
-                                        </p:animMotion>
-                                      </p:childTnLst>
-                                    </p:cTn>
-                                  </p:par>
-                                  <p:par>
-                                    <p:cTn id="58" presetID="10" presetClass="exit" presetSubtype="0" fill="hold" grpId="5" nodeType="withEffect">
-                                      <p:stCondLst>
-                                        <p:cond delay="0"/>
-                                      </p:stCondLst>
-                                      <p:childTnLst>
-                                        <p:animEffect transition="out" filter="fade">
-                                          <p:cBhvr>
-                                            <p:cTn id="59" dur="700"/>
-                                            <p:tgtEl>
-                                              <p:spTgt spid="14"/>
-                                            </p:tgtEl>
-                                          </p:cBhvr>
-                                        </p:animEffect>
-                                        <p:set>
-                                          <p:cBhvr>
-                                            <p:cTn id="60" dur="1" fill="hold">
-                                              <p:stCondLst>
-                                                <p:cond delay="699"/>
-                                              </p:stCondLst>
-                                            </p:cTn>
-                                            <p:tgtEl>
-                                              <p:spTgt spid="14"/>
-                                            </p:tgtEl>
-                                            <p:attrNameLst>
-                                              <p:attrName>style.visibility</p:attrName>
-                                            </p:attrNameLst>
-                                          </p:cBhvr>
-                                          <p:to>
-                                            <p:strVal val="hidden"/>
-                                          </p:to>
-                                        </p:set>
-                                      </p:childTnLst>
-                                    </p:cTn>
-                                  </p:par>
-                                  <p:par>
-                                    <p:cTn id="61" presetID="8" presetClass="emph" presetSubtype="0" accel="65333" fill="hold" grpId="0" nodeType="withEffect">
-                                      <p:stCondLst>
-                                        <p:cond delay="350"/>
-                                      </p:stCondLst>
-                                      <p:childTnLst>
-                                        <p:animRot by="-14700000">
-                                          <p:cBhvr>
-                                            <p:cTn id="62" dur="650" fill="hold"/>
-                                            <p:tgtEl>
-                                              <p:spTgt spid="10"/>
-                                            </p:tgtEl>
-                                            <p:attrNameLst>
-                                              <p:attrName>r</p:attrName>
-                                            </p:attrNameLst>
-                                          </p:cBhvr>
-                                        </p:animRot>
-                                      </p:childTnLst>
-                                    </p:cTn>
-                                  </p:par>
-                                  <p:par>
-                                    <p:cTn id="63" presetID="8" presetClass="emph" presetSubtype="0" decel="60000" fill="hold" grpId="1" nodeType="withEffect">
-                                      <p:stCondLst>
-                                        <p:cond delay="950"/>
-                                      </p:stCondLst>
-                                      <p:childTnLst>
-                                        <p:animRot by="7200000">
-                                          <p:cBhvr>
-                                            <p:cTn id="64" dur="350" fill="hold"/>
-                                            <p:tgtEl>
-                                              <p:spTgt spid="10"/>
-                                            </p:tgtEl>
-                                            <p:attrNameLst>
-                                              <p:attrName>r</p:attrName>
-                                            </p:attrNameLst>
-                                          </p:cBhvr>
-                                        </p:animRot>
-                                      </p:childTnLst>
-                                    </p:cTn>
-                                  </p:par>
-                                  <p:par>
-                                    <p:cTn id="65" presetID="8" presetClass="emph" presetSubtype="0" decel="60000" fill="hold" grpId="2" nodeType="withEffect">
-                                      <p:stCondLst>
-                                        <p:cond delay="0"/>
-                                      </p:stCondLst>
-                                      <p:childTnLst>
-                                        <p:animRot by="-6600000">
-                                          <p:cBhvr>
-                                            <p:cTn id="66" dur="350" fill="hold"/>
-                                            <p:tgtEl>
-                                              <p:spTgt spid="10"/>
-                                            </p:tgtEl>
-                                            <p:attrNameLst>
-                                              <p:attrName>r</p:attrName>
-                                            </p:attrNameLst>
-                                          </p:cBhvr>
-                                        </p:animRot>
-                                      </p:childTnLst>
-                                    </p:cTn>
-                                  </p:par>
-                                  <p:par>
-                                    <p:cTn id="67" presetID="8" presetClass="emph" presetSubtype="0" decel="60000" fill="hold" grpId="3" nodeType="withEffect">
-                                      <p:stCondLst>
-                                        <p:cond delay="350"/>
-                                      </p:stCondLst>
-                                      <p:childTnLst>
-                                        <p:animRot by="6000000">
-                                          <p:cBhvr>
-                                            <p:cTn id="68" dur="350" fill="hold"/>
-                                            <p:tgtEl>
-                                              <p:spTgt spid="10"/>
-                                            </p:tgtEl>
-                                            <p:attrNameLst>
-                                              <p:attrName>r</p:attrName>
-                                            </p:attrNameLst>
-                                          </p:cBhvr>
-                                        </p:animRot>
-                                      </p:childTnLst>
-                                    </p:cTn>
-                                  </p:par>
-                                  <p:par>
-                                    <p:cTn id="69" presetID="42" presetClass="path" presetSubtype="0" accel="50000" decel="50000" fill="hold" grpId="4" nodeType="withEffect">
-                                      <p:stCondLst>
-                                        <p:cond delay="350"/>
-                                      </p:stCondLst>
-                                      <p:childTnLst>
-                                        <p:animMotion origin="layout" path="M 1.94444E-6 4.27746E-6 L 1.94444E-6 0.60277 " pathEditMode="relative" rAng="0" ptsTypes="AA">
-                                          <p:cBhvr>
-                                            <p:cTn id="70" dur="500" fill="hold"/>
-                                            <p:tgtEl>
-                                              <p:spTgt spid="10"/>
-                                            </p:tgtEl>
-                                            <p:attrNameLst>
-                                              <p:attrName>ppt_x</p:attrName>
-                                              <p:attrName>ppt_y</p:attrName>
-                                            </p:attrNameLst>
-                                          </p:cBhvr>
-                                          <p:rCtr x="0" y="30127"/>
-                                        </p:animMotion>
-                                      </p:childTnLst>
-                                    </p:cTn>
-                                  </p:par>
-                                  <p:par>
-                                    <p:cTn id="71" presetID="10" presetClass="exit" presetSubtype="0" fill="hold" grpId="5" nodeType="withEffect">
-                                      <p:stCondLst>
-                                        <p:cond delay="350"/>
-                                      </p:stCondLst>
-                                      <p:childTnLst>
-                                        <p:animEffect transition="out" filter="fade">
-                                          <p:cBhvr>
-                                            <p:cTn id="72" dur="500"/>
-                                            <p:tgtEl>
-                                              <p:spTgt spid="10"/>
-                                            </p:tgtEl>
-                                          </p:cBhvr>
-                                        </p:animEffect>
-                                        <p:set>
-                                          <p:cBhvr>
-                                            <p:cTn id="73" dur="1" fill="hold">
-                                              <p:stCondLst>
-                                                <p:cond delay="499"/>
-                                              </p:stCondLst>
-                                            </p:cTn>
-                                            <p:tgtEl>
-                                              <p:spTgt spid="10"/>
-                                            </p:tgtEl>
-                                            <p:attrNameLst>
-                                              <p:attrName>style.visibility</p:attrName>
-                                            </p:attrNameLst>
-                                          </p:cBhvr>
-                                          <p:to>
-                                            <p:strVal val="hidden"/>
-                                          </p:to>
-                                        </p:set>
-                                      </p:childTnLst>
-                                    </p:cTn>
-                                  </p:par>
-                                  <p:par>
-                                    <p:cTn id="74" presetID="8" presetClass="emph" presetSubtype="0" accel="65333" fill="hold" grpId="0" nodeType="withEffect">
-                                      <p:stCondLst>
-                                        <p:cond delay="0"/>
-                                      </p:stCondLst>
-                                      <p:childTnLst>
-                                        <p:animRot by="14700000">
-                                          <p:cBhvr>
-                                            <p:cTn id="75" dur="650" fill="hold"/>
-                                            <p:tgtEl>
-                                              <p:spTgt spid="8"/>
-                                            </p:tgtEl>
-                                            <p:attrNameLst>
-                                              <p:attrName>r</p:attrName>
-                                            </p:attrNameLst>
-                                          </p:cBhvr>
-                                        </p:animRot>
-                                      </p:childTnLst>
-                                    </p:cTn>
-                                  </p:par>
-                                  <p:par>
-                                    <p:cTn id="76" presetID="8" presetClass="emph" presetSubtype="0" decel="60000" fill="hold" grpId="1" nodeType="withEffect">
-                                      <p:stCondLst>
-                                        <p:cond delay="650"/>
-                                      </p:stCondLst>
-                                      <p:childTnLst>
-                                        <p:animRot by="-7200000">
-                                          <p:cBhvr>
-                                            <p:cTn id="77" dur="350" fill="hold"/>
-                                            <p:tgtEl>
-                                              <p:spTgt spid="8"/>
-                                            </p:tgtEl>
-                                            <p:attrNameLst>
-                                              <p:attrName>r</p:attrName>
-                                            </p:attrNameLst>
-                                          </p:cBhvr>
-                                        </p:animRot>
-                                      </p:childTnLst>
-                                    </p:cTn>
-                                  </p:par>
-                                  <p:par>
-                                    <p:cTn id="78" presetID="8" presetClass="emph" presetSubtype="0" decel="60000" fill="hold" grpId="2" nodeType="withEffect">
-                                      <p:stCondLst>
-                                        <p:cond delay="950"/>
-                                      </p:stCondLst>
-                                      <p:childTnLst>
-                                        <p:animRot by="6600000">
-                                          <p:cBhvr>
-                                            <p:cTn id="79" dur="350" fill="hold"/>
-                                            <p:tgtEl>
-                                              <p:spTgt spid="8"/>
-                                            </p:tgtEl>
-                                            <p:attrNameLst>
-                                              <p:attrName>r</p:attrName>
-                                            </p:attrNameLst>
-                                          </p:cBhvr>
-                                        </p:animRot>
-                                      </p:childTnLst>
-                                    </p:cTn>
-                                  </p:par>
-                                </p:childTnLst>
-                              </p:cTn>
-                            </p:par>
-                            <p:par>
-                              <p:cTn id="80" fill="hold">
-                                <p:stCondLst>
-                                  <p:cond delay="5750"/>
-                                </p:stCondLst>
-                                <p:childTnLst>
-                                  <p:par>
-                                    <p:cTn id="81" presetID="8" presetClass="emph" presetSubtype="0" decel="60000" fill="hold" grpId="3" nodeType="afterEffect">
-                                      <p:stCondLst>
-                                        <p:cond delay="0"/>
-                                      </p:stCondLst>
-                                      <p:childTnLst>
-                                        <p:animRot by="-6000000">
-                                          <p:cBhvr>
-                                            <p:cTn id="82" dur="350" fill="hold"/>
-                                            <p:tgtEl>
-                                              <p:spTgt spid="8"/>
-                                            </p:tgtEl>
-                                            <p:attrNameLst>
-                                              <p:attrName>r</p:attrName>
-                                            </p:attrNameLst>
-                                          </p:cBhvr>
-                                        </p:animRot>
-                                      </p:childTnLst>
-                                    </p:cTn>
-                                  </p:par>
-                                  <p:par>
-                                    <p:cTn id="83" presetID="42" presetClass="path" presetSubtype="0" accel="50000" decel="50000" fill="hold" grpId="4" nodeType="withEffect">
-                                      <p:stCondLst>
-                                        <p:cond delay="0"/>
-                                      </p:stCondLst>
-                                      <p:childTnLst>
-                                        <p:animMotion origin="layout" path="M 1.94444E-6 4.27746E-6 L 1.94444E-6 0.60277 " pathEditMode="relative" rAng="0" ptsTypes="AA">
-                                          <p:cBhvr>
-                                            <p:cTn id="84" dur="700" fill="hold"/>
-                                            <p:tgtEl>
-                                              <p:spTgt spid="8"/>
-                                            </p:tgtEl>
-                                            <p:attrNameLst>
-                                              <p:attrName>ppt_x</p:attrName>
-                                              <p:attrName>ppt_y</p:attrName>
-                                            </p:attrNameLst>
-                                          </p:cBhvr>
-                                          <p:rCtr x="0" y="30127"/>
-                                        </p:animMotion>
-                                      </p:childTnLst>
-                                    </p:cTn>
-                                  </p:par>
-                                  <p:par>
-                                    <p:cTn id="85" presetID="10" presetClass="exit" presetSubtype="0" fill="hold" grpId="5" nodeType="withEffect">
-                                      <p:stCondLst>
-                                        <p:cond delay="0"/>
-                                      </p:stCondLst>
-                                      <p:childTnLst>
-                                        <p:animEffect transition="out" filter="fade">
-                                          <p:cBhvr>
-                                            <p:cTn id="86" dur="700"/>
-                                            <p:tgtEl>
-                                              <p:spTgt spid="8"/>
-                                            </p:tgtEl>
-                                          </p:cBhvr>
-                                        </p:animEffect>
-                                        <p:set>
-                                          <p:cBhvr>
-                                            <p:cTn id="87" dur="1" fill="hold">
-                                              <p:stCondLst>
-                                                <p:cond delay="699"/>
-                                              </p:stCondLst>
-                                            </p:cTn>
-                                            <p:tgtEl>
-                                              <p:spTgt spid="8"/>
-                                            </p:tgtEl>
-                                            <p:attrNameLst>
-                                              <p:attrName>style.visibility</p:attrName>
-                                            </p:attrNameLst>
-                                          </p:cBhvr>
-                                          <p:to>
-                                            <p:strVal val="hidden"/>
-                                          </p:to>
-                                        </p:set>
-                                      </p:childTnLst>
-                                    </p:cTn>
-                                  </p:par>
-                                  <p:par>
-                                    <p:cTn id="88" presetID="8" presetClass="emph" presetSubtype="0" accel="65333" fill="hold" grpId="0" nodeType="withEffect">
-                                      <p:stCondLst>
-                                        <p:cond delay="0"/>
-                                      </p:stCondLst>
-                                      <p:childTnLst>
-                                        <p:animRot by="14700000">
-                                          <p:cBhvr>
-                                            <p:cTn id="89" dur="650" fill="hold"/>
-                                            <p:tgtEl>
-                                              <p:spTgt spid="6"/>
-                                            </p:tgtEl>
-                                            <p:attrNameLst>
-                                              <p:attrName>r</p:attrName>
-                                            </p:attrNameLst>
-                                          </p:cBhvr>
-                                        </p:animRot>
-                                      </p:childTnLst>
-                                    </p:cTn>
-                                  </p:par>
-                                  <p:par>
-                                    <p:cTn id="90" presetID="8" presetClass="emph" presetSubtype="0" decel="60000" fill="hold" grpId="1" nodeType="withEffect">
-                                      <p:stCondLst>
-                                        <p:cond delay="650"/>
-                                      </p:stCondLst>
-                                      <p:childTnLst>
-                                        <p:animRot by="-7200000">
-                                          <p:cBhvr>
-                                            <p:cTn id="91" dur="350" fill="hold"/>
-                                            <p:tgtEl>
-                                              <p:spTgt spid="6"/>
-                                            </p:tgtEl>
-                                            <p:attrNameLst>
-                                              <p:attrName>r</p:attrName>
-                                            </p:attrNameLst>
-                                          </p:cBhvr>
-                                        </p:animRot>
-                                      </p:childTnLst>
-                                    </p:cTn>
-                                  </p:par>
-                                  <p:par>
-                                    <p:cTn id="92" presetID="8" presetClass="emph" presetSubtype="0" decel="60000" fill="hold" grpId="2" nodeType="withEffect">
-                                      <p:stCondLst>
-                                        <p:cond delay="950"/>
-                                      </p:stCondLst>
-                                      <p:childTnLst>
-                                        <p:animRot by="6600000">
-                                          <p:cBhvr>
-                                            <p:cTn id="93" dur="350" fill="hold"/>
-                                            <p:tgtEl>
-                                              <p:spTgt spid="6"/>
-                                            </p:tgtEl>
-                                            <p:attrNameLst>
-                                              <p:attrName>r</p:attrName>
-                                            </p:attrNameLst>
-                                          </p:cBhvr>
-                                        </p:animRot>
-                                      </p:childTnLst>
-                                    </p:cTn>
-                                  </p:par>
-                                </p:childTnLst>
-                              </p:cTn>
-                            </p:par>
-                            <p:par>
-                              <p:cTn id="94" fill="hold">
-                                <p:stCondLst>
-                                  <p:cond delay="7050"/>
-                                </p:stCondLst>
-                                <p:childTnLst>
-                                  <p:par>
-                                    <p:cTn id="95" presetID="8" presetClass="emph" presetSubtype="0" decel="60000" fill="hold" grpId="3" nodeType="afterEffect">
-                                      <p:stCondLst>
-                                        <p:cond delay="0"/>
-                                      </p:stCondLst>
-                                      <p:childTnLst>
-                                        <p:animRot by="-6000000">
-                                          <p:cBhvr>
-                                            <p:cTn id="96" dur="350" fill="hold"/>
-                                            <p:tgtEl>
-                                              <p:spTgt spid="6"/>
-                                            </p:tgtEl>
-                                            <p:attrNameLst>
-                                              <p:attrName>r</p:attrName>
-                                            </p:attrNameLst>
-                                          </p:cBhvr>
-                                        </p:animRot>
-                                      </p:childTnLst>
-                                    </p:cTn>
-                                  </p:par>
-                                  <p:par>
-                                    <p:cTn id="97" presetID="42" presetClass="path" presetSubtype="0" accel="50000" decel="50000" fill="hold" grpId="4" nodeType="withEffect">
-                                      <p:stCondLst>
-                                        <p:cond delay="0"/>
-                                      </p:stCondLst>
-                                      <p:childTnLst>
-                                        <p:animMotion origin="layout" path="M 1.94444E-6 4.27746E-6 L 1.94444E-6 0.60277 " pathEditMode="relative" rAng="0" ptsTypes="AA">
-                                          <p:cBhvr>
-                                            <p:cTn id="98" dur="700" fill="hold"/>
-                                            <p:tgtEl>
-                                              <p:spTgt spid="6"/>
-                                            </p:tgtEl>
-                                            <p:attrNameLst>
-                                              <p:attrName>ppt_x</p:attrName>
-                                              <p:attrName>ppt_y</p:attrName>
-                                            </p:attrNameLst>
-                                          </p:cBhvr>
-                                          <p:rCtr x="0" y="30127"/>
-                                        </p:animMotion>
-                                      </p:childTnLst>
-                                    </p:cTn>
-                                  </p:par>
-                                  <p:par>
-                                    <p:cTn id="99" presetID="10" presetClass="exit" presetSubtype="0" fill="hold" grpId="5" nodeType="withEffect">
-                                      <p:stCondLst>
-                                        <p:cond delay="0"/>
-                                      </p:stCondLst>
-                                      <p:childTnLst>
-                                        <p:animEffect transition="out" filter="fade">
-                                          <p:cBhvr>
-                                            <p:cTn id="100" dur="700"/>
-                                            <p:tgtEl>
-                                              <p:spTgt spid="6"/>
-                                            </p:tgtEl>
-                                          </p:cBhvr>
-                                        </p:animEffect>
-                                        <p:set>
-                                          <p:cBhvr>
-                                            <p:cTn id="101" dur="1" fill="hold">
-                                              <p:stCondLst>
-                                                <p:cond delay="699"/>
-                                              </p:stCondLst>
-                                            </p:cTn>
-                                            <p:tgtEl>
-                                              <p:spTgt spid="6"/>
-                                            </p:tgtEl>
-                                            <p:attrNameLst>
-                                              <p:attrName>style.visibility</p:attrName>
-                                            </p:attrNameLst>
-                                          </p:cBhvr>
-                                          <p:to>
-                                            <p:strVal val="hidden"/>
-                                          </p:to>
-                                        </p:set>
-                                      </p:childTnLst>
-                                    </p:cTn>
-                                  </p:par>
-                                  <p:par>
-                                    <p:cTn id="102" presetID="8" presetClass="emph" presetSubtype="0" accel="65333" fill="hold" grpId="0" nodeType="withEffect">
-                                      <p:stCondLst>
-                                        <p:cond delay="0"/>
-                                      </p:stCondLst>
-                                      <p:childTnLst>
-                                        <p:animRot by="14700000">
-                                          <p:cBhvr>
-                                            <p:cTn id="103" dur="650" fill="hold"/>
-                                            <p:tgtEl>
-                                              <p:spTgt spid="27"/>
-                                            </p:tgtEl>
-                                            <p:attrNameLst>
-                                              <p:attrName>r</p:attrName>
-                                            </p:attrNameLst>
-                                          </p:cBhvr>
-                                        </p:animRot>
-                                      </p:childTnLst>
-                                    </p:cTn>
-                                  </p:par>
-                                  <p:par>
-                                    <p:cTn id="104" presetID="8" presetClass="emph" presetSubtype="0" decel="60000" fill="hold" grpId="1" nodeType="withEffect">
-                                      <p:stCondLst>
-                                        <p:cond delay="650"/>
-                                      </p:stCondLst>
-                                      <p:childTnLst>
-                                        <p:animRot by="-7200000">
-                                          <p:cBhvr>
-                                            <p:cTn id="105" dur="350" fill="hold"/>
-                                            <p:tgtEl>
-                                              <p:spTgt spid="27"/>
-                                            </p:tgtEl>
-                                            <p:attrNameLst>
-                                              <p:attrName>r</p:attrName>
-                                            </p:attrNameLst>
-                                          </p:cBhvr>
-                                        </p:animRot>
-                                      </p:childTnLst>
-                                    </p:cTn>
-                                  </p:par>
-                                  <p:par>
-                                    <p:cTn id="106" presetID="8" presetClass="emph" presetSubtype="0" decel="60000" fill="hold" grpId="2" nodeType="withEffect">
-                                      <p:stCondLst>
-                                        <p:cond delay="950"/>
-                                      </p:stCondLst>
-                                      <p:childTnLst>
-                                        <p:animRot by="6600000">
-                                          <p:cBhvr>
-                                            <p:cTn id="107" dur="350" fill="hold"/>
-                                            <p:tgtEl>
-                                              <p:spTgt spid="27"/>
-                                            </p:tgtEl>
-                                            <p:attrNameLst>
-                                              <p:attrName>r</p:attrName>
-                                            </p:attrNameLst>
-                                          </p:cBhvr>
-                                        </p:animRot>
-                                      </p:childTnLst>
-                                    </p:cTn>
-                                  </p:par>
-                                </p:childTnLst>
-                              </p:cTn>
-                            </p:par>
-                            <p:par>
-                              <p:cTn id="108" fill="hold">
-                                <p:stCondLst>
-                                  <p:cond delay="8350"/>
-                                </p:stCondLst>
-                                <p:childTnLst>
-                                  <p:par>
-                                    <p:cTn id="109" presetID="8" presetClass="emph" presetSubtype="0" decel="60000" fill="hold" grpId="3" nodeType="afterEffect">
-                                      <p:stCondLst>
-                                        <p:cond delay="0"/>
-                                      </p:stCondLst>
-                                      <p:childTnLst>
-                                        <p:animRot by="-6000000">
-                                          <p:cBhvr>
-                                            <p:cTn id="110" dur="350" fill="hold"/>
-                                            <p:tgtEl>
-                                              <p:spTgt spid="27"/>
-                                            </p:tgtEl>
-                                            <p:attrNameLst>
-                                              <p:attrName>r</p:attrName>
-                                            </p:attrNameLst>
-                                          </p:cBhvr>
-                                        </p:animRot>
-                                      </p:childTnLst>
-                                    </p:cTn>
-                                  </p:par>
-                                  <p:par>
-                                    <p:cTn id="111" presetID="42" presetClass="path" presetSubtype="0" accel="50000" decel="50000" fill="hold" grpId="4" nodeType="withEffect">
-                                      <p:stCondLst>
-                                        <p:cond delay="0"/>
-                                      </p:stCondLst>
-                                      <p:childTnLst>
-                                        <p:animMotion origin="layout" path="M 1.94444E-6 4.27746E-6 L 1.94444E-6 0.60277 " pathEditMode="relative" rAng="0" ptsTypes="AA">
-                                          <p:cBhvr>
-                                            <p:cTn id="112" dur="700" fill="hold"/>
-                                            <p:tgtEl>
-                                              <p:spTgt spid="27"/>
-                                            </p:tgtEl>
-                                            <p:attrNameLst>
-                                              <p:attrName>ppt_x</p:attrName>
-                                              <p:attrName>ppt_y</p:attrName>
-                                            </p:attrNameLst>
-                                          </p:cBhvr>
-                                          <p:rCtr x="0" y="30127"/>
-                                        </p:animMotion>
-                                      </p:childTnLst>
-                                    </p:cTn>
-                                  </p:par>
-                                  <p:par>
-                                    <p:cTn id="113" presetID="10" presetClass="exit" presetSubtype="0" fill="hold" grpId="5" nodeType="withEffect">
-                                      <p:stCondLst>
-                                        <p:cond delay="0"/>
-                                      </p:stCondLst>
-                                      <p:childTnLst>
-                                        <p:animEffect transition="out" filter="fade">
-                                          <p:cBhvr>
-                                            <p:cTn id="114" dur="700"/>
-                                            <p:tgtEl>
-                                              <p:spTgt spid="27"/>
-                                            </p:tgtEl>
-                                          </p:cBhvr>
-                                        </p:animEffect>
-                                        <p:set>
-                                          <p:cBhvr>
-                                            <p:cTn id="115" dur="1" fill="hold">
-                                              <p:stCondLst>
-                                                <p:cond delay="699"/>
-                                              </p:stCondLst>
-                                            </p:cTn>
-                                            <p:tgtEl>
-                                              <p:spTgt spid="27"/>
-                                            </p:tgtEl>
-                                            <p:attrNameLst>
-                                              <p:attrName>style.visibility</p:attrName>
-                                            </p:attrNameLst>
-                                          </p:cBhvr>
-                                          <p:to>
-                                            <p:strVal val="hidden"/>
-                                          </p:to>
-                                        </p:set>
-                                      </p:childTnLst>
-                                    </p:cTn>
-                                  </p:par>
-                                </p:childTnLst>
-                              </p:cTn>
-                            </p:par>
-                            <p:par>
-                              <p:cTn id="116" fill="hold">
-                                <p:stCondLst>
-                                  <p:cond delay="9050"/>
-                                </p:stCondLst>
-                                <p:childTnLst>
-                                  <p:par>
-                                    <p:cTn id="117" presetID="8" presetClass="emph" presetSubtype="0" fill="hold" grpId="0" nodeType="afterEffect">
-                                      <p:stCondLst>
-                                        <p:cond delay="0"/>
-                                      </p:stCondLst>
-                                      <p:childTnLst>
-                                        <p:animRot by="-900000">
-                                          <p:cBhvr>
-                                            <p:cTn id="118" dur="350" fill="hold"/>
-                                            <p:tgtEl>
-                                              <p:spTgt spid="18"/>
-                                            </p:tgtEl>
-                                            <p:attrNameLst>
-                                              <p:attrName>r</p:attrName>
-                                            </p:attrNameLst>
-                                          </p:cBhvr>
-                                        </p:animRot>
-                                      </p:childTnLst>
-                                    </p:cTn>
-                                  </p:par>
-                                  <p:par>
-                                    <p:cTn id="119" presetID="42" presetClass="path" presetSubtype="0" accel="50000" fill="hold" grpId="2" nodeType="withEffect">
-                                      <p:stCondLst>
-                                        <p:cond delay="100"/>
-                                      </p:stCondLst>
-                                      <p:childTnLst>
-                                        <p:animMotion origin="layout" path="M 0 2.22222E-6 L 0 0.36305 " pathEditMode="relative" rAng="0" ptsTypes="AA">
-                                          <p:cBhvr>
-                                            <p:cTn id="120" dur="500" fill="hold"/>
-                                            <p:tgtEl>
-                                              <p:spTgt spid="18"/>
-                                            </p:tgtEl>
-                                            <p:attrNameLst>
-                                              <p:attrName>ppt_x</p:attrName>
-                                              <p:attrName>ppt_y</p:attrName>
-                                            </p:attrNameLst>
-                                          </p:cBhvr>
-                                          <p:rCtr x="0" y="18139"/>
-                                        </p:animMotion>
-                                      </p:childTnLst>
-                                    </p:cTn>
-                                  </p:par>
-                                  <p:par>
-                                    <p:cTn id="121" presetID="8" presetClass="emph" presetSubtype="0" fill="hold" grpId="1" nodeType="withEffect">
-                                      <p:stCondLst>
-                                        <p:cond delay="300"/>
-                                      </p:stCondLst>
-                                      <p:childTnLst>
-                                        <p:animRot by="900000">
-                                          <p:cBhvr>
-                                            <p:cTn id="122" dur="300" fill="hold"/>
-                                            <p:tgtEl>
-                                              <p:spTgt spid="18"/>
-                                            </p:tgtEl>
-                                            <p:attrNameLst>
-                                              <p:attrName>r</p:attrName>
-                                            </p:attrNameLst>
-                                          </p:cBhvr>
-                                        </p:animRot>
-                                      </p:childTnLst>
-                                    </p:cTn>
-                                  </p:par>
-                                </p:childTnLst>
-                              </p:cTn>
-                            </p:par>
-                          </p:childTnLst>
-                        </p:cTn>
-                      </p:par>
-                      <p:par>
-                        <p:cTn id="123" fill="hold">
-                          <p:stCondLst>
-                            <p:cond delay="indefinite"/>
-                          </p:stCondLst>
-                          <p:childTnLst>
-                            <p:par>
-                              <p:cTn id="124" fill="hold">
-                                <p:stCondLst>
-                                  <p:cond delay="0"/>
-                                </p:stCondLst>
-                                <p:childTnLst>
-                                  <p:par>
-                                    <p:cTn id="125" presetID="42" presetClass="path" presetSubtype="0" accel="50000" decel="50000" fill="hold" grpId="3" nodeType="clickEffect">
-                                      <p:stCondLst>
-                                        <p:cond delay="0"/>
-                                      </p:stCondLst>
-                                      <p:childTnLst>
-                                        <p:animMotion origin="layout" path="M -0.07066 0.3599 L 0.30764 0.35823 " pathEditMode="relative" rAng="0" ptsTypes="AA">
-                                          <p:cBhvr>
-                                            <p:cTn id="126" dur="1000" fill="hold"/>
-                                            <p:tgtEl>
-                                              <p:spTgt spid="18"/>
-                                            </p:tgtEl>
-                                            <p:attrNameLst>
-                                              <p:attrName>ppt_x</p:attrName>
-                                              <p:attrName>ppt_y</p:attrName>
-                                            </p:attrNameLst>
-                                          </p:cBhvr>
-                                          <p:rCtr x="18906" y="-83"/>
-                                        </p:animMotion>
-                                      </p:childTnLst>
-                                    </p:cTn>
-                                  </p:par>
-                                </p:childTnLst>
-                              </p:cTn>
-                            </p:par>
-                          </p:childTnLst>
-                        </p:cTn>
-                      </p:par>
-                    </p:childTnLst>
-                  </p:cTn>
-                  <p:prevCondLst>
-                    <p:cond evt="onPrev" delay="0">
-                      <p:tgtEl>
-                        <p:sldTgt/>
-                      </p:tgtEl>
-                    </p:cond>
-                  </p:prevCondLst>
-                  <p:nextCondLst>
-                    <p:cond evt="onNext" delay="0">
-                      <p:tgtEl>
-                        <p:sldTgt/>
-                      </p:tgtEl>
-                    </p:cond>
-                  </p:nextCondLst>
-                </p:seq>
-              </p:childTnLst>
-            </p:cTn>
-          </p:par>
-        </p:tnLst>
-        <p:bldLst>
-          <p:bldP spid="17" grpId="0"/>
-          <p:bldP spid="17" grpId="1"/>
-          <p:bldP spid="17" grpId="2"/>
-          <p:bldP spid="17" grpId="3"/>
-          <p:bldP spid="17" grpId="4"/>
-          <p:bldP spid="17" grpId="5"/>
-          <p:bldP spid="18" grpId="0"/>
-          <p:bldP spid="18" grpId="1"/>
-          <p:bldP spid="18" grpId="2"/>
-          <p:bldP spid="18" grpId="3"/>
-          <p:bldP spid="6" grpId="0"/>
-          <p:bldP spid="6" grpId="1"/>
-          <p:bldP spid="6" grpId="2"/>
-          <p:bldP spid="6" grpId="3"/>
-          <p:bldP spid="6" grpId="4"/>
-          <p:bldP spid="6" grpId="5"/>
-          <p:bldP spid="8" grpId="0"/>
-          <p:bldP spid="8" grpId="1"/>
-          <p:bldP spid="8" grpId="2"/>
-          <p:bldP spid="8" grpId="3"/>
-          <p:bldP spid="8" grpId="4"/>
-          <p:bldP spid="8" grpId="5"/>
-          <p:bldP spid="10" grpId="0"/>
-          <p:bldP spid="10" grpId="1"/>
-          <p:bldP spid="10" grpId="2"/>
-          <p:bldP spid="10" grpId="3"/>
-          <p:bldP spid="10" grpId="4"/>
-          <p:bldP spid="10" grpId="5"/>
-          <p:bldP spid="12" grpId="0"/>
-          <p:bldP spid="12" grpId="1"/>
-          <p:bldP spid="12" grpId="2"/>
-          <p:bldP spid="12" grpId="3"/>
-          <p:bldP spid="12" grpId="4"/>
-          <p:bldP spid="12" grpId="5"/>
-          <p:bldP spid="14" grpId="0"/>
-          <p:bldP spid="14" grpId="1"/>
-          <p:bldP spid="14" grpId="2"/>
-          <p:bldP spid="14" grpId="3"/>
-          <p:bldP spid="14" grpId="4"/>
-          <p:bldP spid="14" grpId="5"/>
-          <p:bldP spid="16" grpId="0"/>
-          <p:bldP spid="16" grpId="1"/>
-          <p:bldP spid="16" grpId="2"/>
-          <p:bldP spid="16" grpId="3"/>
-          <p:bldP spid="16" grpId="4"/>
-          <p:bldP spid="16" grpId="5"/>
-          <p:bldP spid="27" grpId="0"/>
-          <p:bldP spid="27" grpId="1"/>
-          <p:bldP spid="27" grpId="2"/>
-          <p:bldP spid="27" grpId="3"/>
-          <p:bldP spid="27" grpId="4"/>
-          <p:bldP spid="27" grpId="5"/>
-        </p:bldLst>
-      </p:timing>
-    </mc:Fallback>
-  </mc:AlternateContent>
+  <p:timing>
+    <p:tnLst>
+      <p:par>
+        <p:cTn id="1" dur="indefinite" restart="never" nodeType="tmRoot">
+          <p:childTnLst>
+            <p:seq concurrent="1" nextAc="seek">
+              <p:cTn id="2" dur="indefinite" nodeType="mainSeq">
+                <p:childTnLst>
+                  <p:par>
+                    <p:cTn id="3" fill="hold">
+                      <p:stCondLst>
+                        <p:cond delay="indefinite"/>
+                      </p:stCondLst>
+                      <p:childTnLst>
+                        <p:par>
+                          <p:cTn id="4" fill="hold">
+                            <p:stCondLst>
+                              <p:cond delay="0"/>
+                            </p:stCondLst>
+                            <p:childTnLst>
+                              <p:par>
+                                <p:cTn id="5" presetID="22" presetClass="exit" presetSubtype="4" fill="hold" grpId="0" nodeType="clickEffect">
+                                  <p:stCondLst>
+                                    <p:cond delay="0"/>
+                                  </p:stCondLst>
+                                  <p:childTnLst>
+                                    <p:animEffect transition="out" filter="wipe(down)">
+                                      <p:cBhvr>
+                                        <p:cTn id="6" dur="500"/>
+                                        <p:tgtEl>
+                                          <p:spTgt spid="18"/>
+                                        </p:tgtEl>
+                                      </p:cBhvr>
+                                    </p:animEffect>
+                                    <p:set>
+                                      <p:cBhvr>
+                                        <p:cTn id="7" dur="1" fill="hold">
+                                          <p:stCondLst>
+                                            <p:cond delay="499"/>
+                                          </p:stCondLst>
+                                        </p:cTn>
+                                        <p:tgtEl>
+                                          <p:spTgt spid="18"/>
+                                        </p:tgtEl>
+                                        <p:attrNameLst>
+                                          <p:attrName>style.visibility</p:attrName>
+                                        </p:attrNameLst>
+                                      </p:cBhvr>
+                                      <p:to>
+                                        <p:strVal val="hidden"/>
+                                      </p:to>
+                                    </p:set>
+                                  </p:childTnLst>
+                                </p:cTn>
+                              </p:par>
+                            </p:childTnLst>
+                          </p:cTn>
+                        </p:par>
+                      </p:childTnLst>
+                    </p:cTn>
+                  </p:par>
+                </p:childTnLst>
+              </p:cTn>
+              <p:prevCondLst>
+                <p:cond evt="onPrev" delay="0">
+                  <p:tgtEl>
+                    <p:sldTgt/>
+                  </p:tgtEl>
+                </p:cond>
+              </p:prevCondLst>
+              <p:nextCondLst>
+                <p:cond evt="onNext" delay="0">
+                  <p:tgtEl>
+                    <p:sldTgt/>
+                  </p:tgtEl>
+                </p:cond>
+              </p:nextCondLst>
+            </p:seq>
+          </p:childTnLst>
+        </p:cTn>
+      </p:par>
+    </p:tnLst>
+    <p:bldLst>
+      <p:bldP spid="18" grpId="0"/>
+    </p:bldLst>
+  </p:timing>
 </p:sld>
 </file>
 
@@ -14108,7 +10946,6 @@
               <a:rPr lang="zh-CN" altLang="en-US" dirty="0"/>
               <a:t>分句</a:t>
             </a:r>
-            <a:endParaRPr lang="zh-CN" altLang="en-US" dirty="0"/>
           </a:p>
         </p:txBody>
       </p:sp>
@@ -14156,7 +10993,6 @@
               <a:rPr lang="zh-CN" altLang="en-US" dirty="0"/>
               <a:t>？</a:t>
             </a:r>
-            <a:endParaRPr lang="zh-CN" altLang="en-US" dirty="0"/>
           </a:p>
         </p:txBody>
       </p:sp>
@@ -14200,7 +11036,6 @@
               <a:rPr lang="zh-CN" altLang="en-US" dirty="0"/>
               <a:t>分词</a:t>
             </a:r>
-            <a:endParaRPr lang="zh-CN" altLang="en-US" dirty="0"/>
           </a:p>
         </p:txBody>
       </p:sp>
@@ -14532,11 +11367,6 @@
               </a:rPr>
               <a:t>否</a:t>
             </a:r>
-            <a:endParaRPr lang="zh-CN" altLang="en-US" dirty="0">
-              <a:solidFill>
-                <a:srgbClr val="FFC000"/>
-              </a:solidFill>
-            </a:endParaRPr>
           </a:p>
         </p:txBody>
       </p:sp>
@@ -14974,11 +11804,6 @@
               </a:rPr>
               <a:t>否</a:t>
             </a:r>
-            <a:endParaRPr lang="zh-CN" altLang="en-US" dirty="0">
-              <a:solidFill>
-                <a:srgbClr val="FFC000"/>
-              </a:solidFill>
-            </a:endParaRPr>
           </a:p>
         </p:txBody>
       </p:sp>
@@ -15022,7 +11847,6 @@
               <a:rPr lang="zh-CN" altLang="en-US" dirty="0"/>
               <a:t>结束</a:t>
             </a:r>
-            <a:endParaRPr lang="zh-CN" altLang="en-US" dirty="0"/>
           </a:p>
         </p:txBody>
       </p:sp>
@@ -15990,11 +12814,6 @@
               </a:rPr>
               <a:t>，双方原本是合作关系，在收购完成后将变为母子关系。</a:t>
             </a:r>
-            <a:endParaRPr lang="zh-CN" altLang="en-US" dirty="0">
-              <a:solidFill>
-                <a:srgbClr val="FFC000"/>
-              </a:solidFill>
-            </a:endParaRPr>
           </a:p>
         </p:txBody>
       </p:sp>
@@ -16789,11 +13608,7 @@
             </a:r>
             <a:r>
               <a:rPr lang="en-US" altLang="zh-CN" dirty="0" smtClean="0"/>
-              <a:t>X=</a:t>
-            </a:r>
-            <a:r>
-              <a:rPr lang="en-US" altLang="zh-CN" dirty="0" smtClean="0"/>
-              <a:t>(x</a:t>
+              <a:t>X=(x</a:t>
             </a:r>
             <a:r>
               <a:rPr lang="en-US" altLang="zh-CN" baseline="-25000" dirty="0" smtClean="0"/>
@@ -17705,10 +14520,6 @@
               </a:rPr>
               <a:t>算法设计</a:t>
             </a:r>
-            <a:endParaRPr lang="zh-CN" altLang="en-US" sz="2400" dirty="0">
-              <a:latin typeface="微软雅黑" pitchFamily="34" charset="-122"/>
-              <a:ea typeface="微软雅黑" pitchFamily="34" charset="-122"/>
-            </a:endParaRPr>
           </a:p>
         </p:txBody>
       </p:sp>
@@ -25821,7 +22632,7 @@
           <a:graphicData uri="http://schemas.openxmlformats.org/presentationml/2006/ole">
             <mc:AlternateContent xmlns:mc="http://schemas.openxmlformats.org/markup-compatibility/2006">
               <mc:Choice xmlns:v="urn:schemas-microsoft-com:vml" Requires="v">
-                <p:oleObj spid="_x0000_s1045" name="Equation" r:id="rId3" imgW="2145960" imgH="457200" progId="Equation.DSMT4">
+                <p:oleObj spid="_x0000_s1051" name="Equation" r:id="rId3" imgW="2145960" imgH="457200" progId="Equation.DSMT4">
                   <p:embed/>
                 </p:oleObj>
               </mc:Choice>
@@ -27725,7 +24536,7 @@
           <a:graphicData uri="http://schemas.openxmlformats.org/presentationml/2006/ole">
             <mc:AlternateContent xmlns:mc="http://schemas.openxmlformats.org/markup-compatibility/2006">
               <mc:Choice xmlns:v="urn:schemas-microsoft-com:vml" Requires="v">
-                <p:oleObj spid="_x0000_s2077" name="Equation" r:id="rId3" imgW="1497950" imgH="622030" progId="Equation.DSMT4">
+                <p:oleObj spid="_x0000_s2089" name="Equation" r:id="rId3" imgW="1497950" imgH="622030" progId="Equation.DSMT4">
                   <p:embed/>
                 </p:oleObj>
               </mc:Choice>
@@ -27989,7 +24800,7 @@
           <a:graphicData uri="http://schemas.openxmlformats.org/presentationml/2006/ole">
             <mc:AlternateContent xmlns:mc="http://schemas.openxmlformats.org/markup-compatibility/2006">
               <mc:Choice xmlns:v="urn:schemas-microsoft-com:vml" Requires="v">
-                <p:oleObj spid="_x0000_s2078" name="Equation" r:id="rId5" imgW="3048000" imgH="508000" progId="Equation.DSMT4">
+                <p:oleObj spid="_x0000_s2090" name="Equation" r:id="rId5" imgW="3048000" imgH="508000" progId="Equation.DSMT4">
                   <p:embed/>
                 </p:oleObj>
               </mc:Choice>
@@ -28926,7 +25737,7 @@
           <a:graphicData uri="http://schemas.openxmlformats.org/presentationml/2006/ole">
             <mc:AlternateContent xmlns:mc="http://schemas.openxmlformats.org/markup-compatibility/2006">
               <mc:Choice xmlns:v="urn:schemas-microsoft-com:vml" Requires="v">
-                <p:oleObj spid="_x0000_s3086" name="Equation" r:id="rId3" imgW="1536033" imgH="393529" progId="Equation.DSMT4">
+                <p:oleObj spid="_x0000_s3092" name="Equation" r:id="rId3" imgW="1536033" imgH="393529" progId="Equation.DSMT4">
                   <p:embed/>
                 </p:oleObj>
               </mc:Choice>
@@ -29870,11 +26681,7 @@
             <a:pPr algn="ctr"/>
             <a:r>
               <a:rPr lang="zh-CN" altLang="en-US" sz="1600" dirty="0" smtClean="0"/>
-              <a:t>实体识别</a:t>
-            </a:r>
-            <a:r>
-              <a:rPr lang="zh-CN" altLang="en-US" sz="1600" dirty="0" smtClean="0"/>
-              <a:t>模块</a:t>
+              <a:t>实体识别模块</a:t>
             </a:r>
             <a:endParaRPr lang="zh-CN" altLang="en-US" sz="1600" dirty="0"/>
           </a:p>
@@ -29919,11 +26726,7 @@
             <a:pPr algn="ctr"/>
             <a:r>
               <a:rPr lang="zh-CN" altLang="en-US" sz="1600" dirty="0" smtClean="0"/>
-              <a:t>文本后处理</a:t>
-            </a:r>
-            <a:r>
-              <a:rPr lang="zh-CN" altLang="en-US" sz="1600" dirty="0" smtClean="0"/>
-              <a:t>模块</a:t>
+              <a:t>文本后处理模块</a:t>
             </a:r>
             <a:endParaRPr lang="zh-CN" altLang="en-US" sz="1600" dirty="0"/>
           </a:p>
@@ -35715,10 +32518,6 @@
               </a:rPr>
               <a:t>目标</a:t>
             </a:r>
-            <a:endParaRPr lang="zh-CN" altLang="en-US" sz="2400" dirty="0">
-              <a:latin typeface="微软雅黑" pitchFamily="34" charset="-122"/>
-              <a:ea typeface="微软雅黑" pitchFamily="34" charset="-122"/>
-            </a:endParaRPr>
           </a:p>
         </p:txBody>
       </p:sp>
@@ -41628,6 +38427,176 @@
               <a:t>能否把这些信息联系起来呢？</a:t>
             </a:r>
             <a:endParaRPr lang="zh-CN" altLang="en-US" dirty="0"/>
+          </a:p>
+        </p:txBody>
+      </p:sp>
+      <p:sp>
+        <p:nvSpPr>
+          <p:cNvPr id="5" name="TextBox 4"/>
+          <p:cNvSpPr txBox="1"/>
+          <p:nvPr/>
+        </p:nvSpPr>
+        <p:spPr>
+          <a:xfrm>
+            <a:off x="2121671" y="340104"/>
+            <a:ext cx="667105" cy="338554"/>
+          </a:xfrm>
+          <a:prstGeom prst="rect">
+            <a:avLst/>
+          </a:prstGeom>
+          <a:noFill/>
+        </p:spPr>
+        <p:txBody>
+          <a:bodyPr wrap="square" rtlCol="0">
+            <a:spAutoFit/>
+          </a:bodyPr>
+          <a:lstStyle/>
+          <a:p>
+            <a:r>
+              <a:rPr lang="zh-CN" altLang="en-US" sz="1600" dirty="0" smtClean="0">
+                <a:solidFill>
+                  <a:schemeClr val="bg1"/>
+                </a:solidFill>
+              </a:rPr>
+              <a:t>股吧</a:t>
+            </a:r>
+            <a:endParaRPr lang="zh-CN" altLang="en-US" sz="1600" dirty="0">
+              <a:solidFill>
+                <a:schemeClr val="bg1"/>
+              </a:solidFill>
+            </a:endParaRPr>
+          </a:p>
+        </p:txBody>
+      </p:sp>
+      <p:sp>
+        <p:nvSpPr>
+          <p:cNvPr id="47" name="TextBox 46"/>
+          <p:cNvSpPr txBox="1"/>
+          <p:nvPr/>
+        </p:nvSpPr>
+        <p:spPr>
+          <a:xfrm>
+            <a:off x="2944786" y="340672"/>
+            <a:ext cx="667105" cy="338554"/>
+          </a:xfrm>
+          <a:prstGeom prst="rect">
+            <a:avLst/>
+          </a:prstGeom>
+          <a:noFill/>
+        </p:spPr>
+        <p:txBody>
+          <a:bodyPr wrap="square" rtlCol="0">
+            <a:spAutoFit/>
+          </a:bodyPr>
+          <a:lstStyle/>
+          <a:p>
+            <a:r>
+              <a:rPr lang="zh-CN" altLang="en-US" sz="1600" dirty="0">
+                <a:solidFill>
+                  <a:schemeClr val="bg1"/>
+                </a:solidFill>
+              </a:rPr>
+              <a:t>新闻</a:t>
+            </a:r>
+          </a:p>
+        </p:txBody>
+      </p:sp>
+      <p:sp>
+        <p:nvSpPr>
+          <p:cNvPr id="48" name="TextBox 47"/>
+          <p:cNvSpPr txBox="1"/>
+          <p:nvPr/>
+        </p:nvSpPr>
+        <p:spPr>
+          <a:xfrm>
+            <a:off x="3805824" y="340672"/>
+            <a:ext cx="667105" cy="338554"/>
+          </a:xfrm>
+          <a:prstGeom prst="rect">
+            <a:avLst/>
+          </a:prstGeom>
+          <a:noFill/>
+        </p:spPr>
+        <p:txBody>
+          <a:bodyPr wrap="square" rtlCol="0">
+            <a:spAutoFit/>
+          </a:bodyPr>
+          <a:lstStyle/>
+          <a:p>
+            <a:r>
+              <a:rPr lang="zh-CN" altLang="en-US" sz="1600" dirty="0">
+                <a:solidFill>
+                  <a:schemeClr val="bg1"/>
+                </a:solidFill>
+              </a:rPr>
+              <a:t>微博</a:t>
+            </a:r>
+          </a:p>
+        </p:txBody>
+      </p:sp>
+      <p:sp>
+        <p:nvSpPr>
+          <p:cNvPr id="49" name="TextBox 48"/>
+          <p:cNvSpPr txBox="1"/>
+          <p:nvPr/>
+        </p:nvSpPr>
+        <p:spPr>
+          <a:xfrm>
+            <a:off x="4485601" y="340672"/>
+            <a:ext cx="667105" cy="338554"/>
+          </a:xfrm>
+          <a:prstGeom prst="rect">
+            <a:avLst/>
+          </a:prstGeom>
+          <a:noFill/>
+        </p:spPr>
+        <p:txBody>
+          <a:bodyPr wrap="square" rtlCol="0">
+            <a:spAutoFit/>
+          </a:bodyPr>
+          <a:lstStyle/>
+          <a:p>
+            <a:r>
+              <a:rPr lang="zh-CN" altLang="en-US" sz="1600" dirty="0">
+                <a:solidFill>
+                  <a:schemeClr val="bg1"/>
+                </a:solidFill>
+              </a:rPr>
+              <a:t>微信</a:t>
+            </a:r>
+          </a:p>
+        </p:txBody>
+      </p:sp>
+      <p:sp>
+        <p:nvSpPr>
+          <p:cNvPr id="50" name="TextBox 49"/>
+          <p:cNvSpPr txBox="1"/>
+          <p:nvPr/>
+        </p:nvSpPr>
+        <p:spPr>
+          <a:xfrm>
+            <a:off x="5202070" y="358864"/>
+            <a:ext cx="1124204" cy="338554"/>
+          </a:xfrm>
+          <a:prstGeom prst="rect">
+            <a:avLst/>
+          </a:prstGeom>
+          <a:noFill/>
+        </p:spPr>
+        <p:txBody>
+          <a:bodyPr wrap="square" rtlCol="0">
+            <a:spAutoFit/>
+          </a:bodyPr>
+          <a:lstStyle/>
+          <a:p>
+            <a:r>
+              <a:rPr lang="zh-CN" altLang="en-US" sz="1600" dirty="0">
+                <a:solidFill>
+                  <a:schemeClr val="bg1"/>
+                </a:solidFill>
+              </a:rPr>
+              <a:t>门户网站</a:t>
+            </a:r>
           </a:p>
         </p:txBody>
       </p:sp>
@@ -44526,11 +41495,11 @@
           <a:p>
             <a:pPr algn="ctr"/>
             <a:r>
-              <a:rPr lang="zh-CN" altLang="en-US" sz="2400" dirty="0" smtClean="0">
+              <a:rPr lang="zh-CN" altLang="en-US" sz="2400" dirty="0">
                 <a:latin typeface="微软雅黑" pitchFamily="34" charset="-122"/>
                 <a:ea typeface="微软雅黑" pitchFamily="34" charset="-122"/>
               </a:rPr>
-              <a:t>金融证券</a:t>
+              <a:t>知识图谱</a:t>
             </a:r>
             <a:endParaRPr lang="zh-CN" altLang="en-US" sz="2400" dirty="0">
               <a:latin typeface="微软雅黑" pitchFamily="34" charset="-122"/>
@@ -45466,11 +42435,11 @@
           <a:p>
             <a:pPr algn="ctr"/>
             <a:r>
-              <a:rPr lang="zh-CN" altLang="en-US" sz="2400" dirty="0" smtClean="0">
+              <a:rPr lang="zh-CN" altLang="en-US" sz="2400" dirty="0">
                 <a:latin typeface="微软雅黑" pitchFamily="34" charset="-122"/>
                 <a:ea typeface="微软雅黑" pitchFamily="34" charset="-122"/>
               </a:rPr>
-              <a:t>金融证券</a:t>
+              <a:t>知识图谱</a:t>
             </a:r>
             <a:endParaRPr lang="zh-CN" altLang="en-US" sz="2400" dirty="0">
               <a:latin typeface="微软雅黑" pitchFamily="34" charset="-122"/>
@@ -48606,7 +45575,7 @@
                 <a:latin typeface="微软雅黑" pitchFamily="34" charset="-122"/>
                 <a:ea typeface="微软雅黑" pitchFamily="34" charset="-122"/>
               </a:rPr>
-              <a:t>金融证券</a:t>
+              <a:t>知识构建</a:t>
             </a:r>
             <a:endParaRPr lang="zh-CN" altLang="en-US" sz="2400" dirty="0">
               <a:latin typeface="微软雅黑" pitchFamily="34" charset="-122"/>
@@ -49240,6 +46209,7 @@
           <a:prstGeom prst="rect">
             <a:avLst/>
           </a:prstGeom>
+          <a:noFill/>
         </p:spPr>
         <p:style>
           <a:lnRef idx="2">
@@ -49284,6 +46254,7 @@
           <a:prstGeom prst="rect">
             <a:avLst/>
           </a:prstGeom>
+          <a:noFill/>
         </p:spPr>
         <p:style>
           <a:lnRef idx="2">
@@ -49400,6 +46371,7 @@
           <a:prstGeom prst="rect">
             <a:avLst/>
           </a:prstGeom>
+          <a:noFill/>
         </p:spPr>
         <p:style>
           <a:lnRef idx="2">
